--- a/slidetemp.pptx
+++ b/slidetemp.pptx
@@ -104,6 +104,11 @@
       </a:defRPr>
     </a:lvl9pPr>
   </p:defaultTextStyle>
+  <p:extLst>
+    <p:ext uri="{EFAFB233-063F-42B5-8137-9DF3F51BA10A}">
+      <p15:sldGuideLst xmlns:p15="http://schemas.microsoft.com/office/powerpoint/2012/main"/>
+    </p:ext>
+  </p:extLst>
 </p:presentation>
 </file>
 
@@ -254,7 +259,7 @@
           <a:p>
             <a:fld id="{C1E18A28-2211-8445-951F-7FB6C7D14141}" type="datetimeFigureOut">
               <a:rPr kumimoji="1" lang="zh-TW" altLang="en-US" smtClean="0"/>
-              <a:t>2022/9/12</a:t>
+              <a:t>2022/10/18</a:t>
             </a:fld>
             <a:endParaRPr kumimoji="1" lang="zh-TW" altLang="en-US"/>
           </a:p>
@@ -457,7 +462,7 @@
           <a:p>
             <a:fld id="{C1E18A28-2211-8445-951F-7FB6C7D14141}" type="datetimeFigureOut">
               <a:rPr kumimoji="1" lang="zh-TW" altLang="en-US" smtClean="0"/>
-              <a:t>2022/9/12</a:t>
+              <a:t>2022/10/18</a:t>
             </a:fld>
             <a:endParaRPr kumimoji="1" lang="zh-TW" altLang="en-US"/>
           </a:p>
@@ -665,7 +670,7 @@
           <a:p>
             <a:fld id="{C1E18A28-2211-8445-951F-7FB6C7D14141}" type="datetimeFigureOut">
               <a:rPr kumimoji="1" lang="zh-TW" altLang="en-US" smtClean="0"/>
-              <a:t>2022/9/12</a:t>
+              <a:t>2022/10/18</a:t>
             </a:fld>
             <a:endParaRPr kumimoji="1" lang="zh-TW" altLang="en-US"/>
           </a:p>
@@ -777,7 +782,7 @@
           <a:lstStyle/>
           <a:p>
             <a:r>
-              <a:rPr kumimoji="1" lang="zh-TW" altLang="en-US"/>
+              <a:rPr kumimoji="1" lang="zh-TW" altLang="en-US" dirty="0"/>
               <a:t>按一下以編輯母片標題樣式</a:t>
             </a:r>
           </a:p>
@@ -806,35 +811,35 @@
           <a:p>
             <a:pPr lvl="0"/>
             <a:r>
-              <a:rPr kumimoji="1" lang="zh-TW" altLang="en-US"/>
+              <a:rPr kumimoji="1" lang="zh-TW" altLang="en-US" dirty="0"/>
               <a:t>按一下以編輯母片文字樣式</a:t>
             </a:r>
           </a:p>
           <a:p>
             <a:pPr lvl="1"/>
             <a:r>
-              <a:rPr kumimoji="1" lang="zh-TW" altLang="en-US"/>
+              <a:rPr kumimoji="1" lang="zh-TW" altLang="en-US" dirty="0"/>
               <a:t>第二層</a:t>
             </a:r>
           </a:p>
           <a:p>
             <a:pPr lvl="2"/>
             <a:r>
-              <a:rPr kumimoji="1" lang="zh-TW" altLang="en-US"/>
+              <a:rPr kumimoji="1" lang="zh-TW" altLang="en-US" dirty="0"/>
               <a:t>第三層</a:t>
             </a:r>
           </a:p>
           <a:p>
             <a:pPr lvl="3"/>
             <a:r>
-              <a:rPr kumimoji="1" lang="zh-TW" altLang="en-US"/>
+              <a:rPr kumimoji="1" lang="zh-TW" altLang="en-US" dirty="0"/>
               <a:t>第四層</a:t>
             </a:r>
           </a:p>
           <a:p>
             <a:pPr lvl="4"/>
             <a:r>
-              <a:rPr kumimoji="1" lang="zh-TW" altLang="en-US"/>
+              <a:rPr kumimoji="1" lang="zh-TW" altLang="en-US" dirty="0"/>
               <a:t>第五層</a:t>
             </a:r>
           </a:p>
@@ -863,7 +868,7 @@
           <a:p>
             <a:fld id="{C1E18A28-2211-8445-951F-7FB6C7D14141}" type="datetimeFigureOut">
               <a:rPr kumimoji="1" lang="zh-TW" altLang="en-US" smtClean="0"/>
-              <a:t>2022/9/12</a:t>
+              <a:t>2022/10/18</a:t>
             </a:fld>
             <a:endParaRPr kumimoji="1" lang="zh-TW" altLang="en-US"/>
           </a:p>
@@ -1138,7 +1143,7 @@
           <a:p>
             <a:fld id="{C1E18A28-2211-8445-951F-7FB6C7D14141}" type="datetimeFigureOut">
               <a:rPr kumimoji="1" lang="zh-TW" altLang="en-US" smtClean="0"/>
-              <a:t>2022/9/12</a:t>
+              <a:t>2022/10/18</a:t>
             </a:fld>
             <a:endParaRPr kumimoji="1" lang="zh-TW" altLang="en-US"/>
           </a:p>
@@ -1403,7 +1408,7 @@
           <a:p>
             <a:fld id="{C1E18A28-2211-8445-951F-7FB6C7D14141}" type="datetimeFigureOut">
               <a:rPr kumimoji="1" lang="zh-TW" altLang="en-US" smtClean="0"/>
-              <a:t>2022/9/12</a:t>
+              <a:t>2022/10/18</a:t>
             </a:fld>
             <a:endParaRPr kumimoji="1" lang="zh-TW" altLang="en-US"/>
           </a:p>
@@ -1815,7 +1820,7 @@
           <a:p>
             <a:fld id="{C1E18A28-2211-8445-951F-7FB6C7D14141}" type="datetimeFigureOut">
               <a:rPr kumimoji="1" lang="zh-TW" altLang="en-US" smtClean="0"/>
-              <a:t>2022/9/12</a:t>
+              <a:t>2022/10/18</a:t>
             </a:fld>
             <a:endParaRPr kumimoji="1" lang="zh-TW" altLang="en-US"/>
           </a:p>
@@ -1956,7 +1961,7 @@
           <a:p>
             <a:fld id="{C1E18A28-2211-8445-951F-7FB6C7D14141}" type="datetimeFigureOut">
               <a:rPr kumimoji="1" lang="zh-TW" altLang="en-US" smtClean="0"/>
-              <a:t>2022/9/12</a:t>
+              <a:t>2022/10/18</a:t>
             </a:fld>
             <a:endParaRPr kumimoji="1" lang="zh-TW" altLang="en-US"/>
           </a:p>
@@ -2069,7 +2074,7 @@
           <a:p>
             <a:fld id="{C1E18A28-2211-8445-951F-7FB6C7D14141}" type="datetimeFigureOut">
               <a:rPr kumimoji="1" lang="zh-TW" altLang="en-US" smtClean="0"/>
-              <a:t>2022/9/12</a:t>
+              <a:t>2022/10/18</a:t>
             </a:fld>
             <a:endParaRPr kumimoji="1" lang="zh-TW" altLang="en-US"/>
           </a:p>
@@ -2385,7 +2390,7 @@
           <a:p>
             <a:fld id="{C1E18A28-2211-8445-951F-7FB6C7D14141}" type="datetimeFigureOut">
               <a:rPr kumimoji="1" lang="zh-TW" altLang="en-US" smtClean="0"/>
-              <a:t>2022/9/12</a:t>
+              <a:t>2022/10/18</a:t>
             </a:fld>
             <a:endParaRPr kumimoji="1" lang="zh-TW" altLang="en-US"/>
           </a:p>
@@ -2673,7 +2678,7 @@
           <a:p>
             <a:fld id="{C1E18A28-2211-8445-951F-7FB6C7D14141}" type="datetimeFigureOut">
               <a:rPr kumimoji="1" lang="zh-TW" altLang="en-US" smtClean="0"/>
-              <a:t>2022/9/12</a:t>
+              <a:t>2022/10/18</a:t>
             </a:fld>
             <a:endParaRPr kumimoji="1" lang="zh-TW" altLang="en-US"/>
           </a:p>
@@ -2914,7 +2919,7 @@
           <a:p>
             <a:fld id="{C1E18A28-2211-8445-951F-7FB6C7D14141}" type="datetimeFigureOut">
               <a:rPr kumimoji="1" lang="zh-TW" altLang="en-US" smtClean="0"/>
-              <a:t>2022/9/12</a:t>
+              <a:t>2022/10/18</a:t>
             </a:fld>
             <a:endParaRPr kumimoji="1" lang="zh-TW" altLang="en-US"/>
           </a:p>
@@ -3063,7 +3068,7 @@
         </a:buClr>
         <a:buFont typeface="Arial" panose="020B0604020202020204" pitchFamily="34" charset="0"/>
         <a:buChar char="•"/>
-        <a:defRPr sz="3200" kern="1200">
+        <a:defRPr sz="2400" kern="1200">
           <a:solidFill>
             <a:schemeClr val="tx1"/>
           </a:solidFill>
@@ -3084,7 +3089,7 @@
         </a:buClr>
         <a:buFont typeface="Arial" panose="020B0604020202020204" pitchFamily="34" charset="0"/>
         <a:buChar char="•"/>
-        <a:defRPr sz="3200" kern="1200">
+        <a:defRPr sz="2400" kern="1200">
           <a:solidFill>
             <a:schemeClr val="tx1"/>
           </a:solidFill>
@@ -3105,7 +3110,7 @@
         </a:buClr>
         <a:buFont typeface="Arial" panose="020B0604020202020204" pitchFamily="34" charset="0"/>
         <a:buChar char="•"/>
-        <a:defRPr sz="3200" kern="1200">
+        <a:defRPr sz="2400" kern="1200">
           <a:solidFill>
             <a:schemeClr val="tx1"/>
           </a:solidFill>
@@ -3126,7 +3131,7 @@
         </a:buClr>
         <a:buFont typeface="Arial" panose="020B0604020202020204" pitchFamily="34" charset="0"/>
         <a:buChar char="•"/>
-        <a:defRPr sz="3200" kern="1200">
+        <a:defRPr sz="2400" kern="1200">
           <a:solidFill>
             <a:schemeClr val="tx1"/>
           </a:solidFill>
@@ -3147,7 +3152,7 @@
         </a:buClr>
         <a:buFont typeface="Arial" panose="020B0604020202020204" pitchFamily="34" charset="0"/>
         <a:buChar char="•"/>
-        <a:defRPr sz="3200" kern="1200">
+        <a:defRPr sz="2400" kern="1200">
           <a:solidFill>
             <a:schemeClr val="tx1"/>
           </a:solidFill>

--- a/slidetemp.pptx
+++ b/slidetemp.pptx
@@ -1,9 +1,12 @@
 
 <file path=ppt/presentation.xml><?xml version="1.0" encoding="utf-8"?>
-<p:presentation xmlns:a="http://schemas.openxmlformats.org/drawingml/2006/main" xmlns:r="http://schemas.openxmlformats.org/officeDocument/2006/relationships" xmlns:p="http://schemas.openxmlformats.org/presentationml/2006/main" saveSubsetFonts="1" autoCompressPictures="0">
+<p:presentation xmlns:a="http://schemas.openxmlformats.org/drawingml/2006/main" xmlns:r="http://schemas.openxmlformats.org/officeDocument/2006/relationships" xmlns:p="http://schemas.openxmlformats.org/presentationml/2006/main" showSpecialPlsOnTitleSld="0" saveSubsetFonts="1" autoCompressPictures="0">
   <p:sldMasterIdLst>
     <p:sldMasterId id="2147483648" r:id="rId1"/>
   </p:sldMasterIdLst>
+  <p:notesMasterIdLst>
+    <p:notesMasterId r:id="rId3"/>
+  </p:notesMasterIdLst>
   <p:sldIdLst>
     <p:sldId id="256" r:id="rId2"/>
   </p:sldIdLst>
@@ -112,6 +115,355 @@
 </p:presentation>
 </file>
 
+<file path=ppt/notesMasters/notesMaster1.xml><?xml version="1.0" encoding="utf-8"?>
+<p:notesMaster xmlns:a="http://schemas.openxmlformats.org/drawingml/2006/main" xmlns:r="http://schemas.openxmlformats.org/officeDocument/2006/relationships" xmlns:p="http://schemas.openxmlformats.org/presentationml/2006/main">
+  <p:cSld>
+    <p:bg>
+      <p:bgRef idx="1001">
+        <a:schemeClr val="bg1"/>
+      </p:bgRef>
+    </p:bg>
+    <p:spTree>
+      <p:nvGrpSpPr>
+        <p:cNvPr id="1" name=""/>
+        <p:cNvGrpSpPr/>
+        <p:nvPr/>
+      </p:nvGrpSpPr>
+      <p:grpSpPr>
+        <a:xfrm>
+          <a:off x="0" y="0"/>
+          <a:ext cx="0" cy="0"/>
+          <a:chOff x="0" y="0"/>
+          <a:chExt cx="0" cy="0"/>
+        </a:xfrm>
+      </p:grpSpPr>
+      <p:sp>
+        <p:nvSpPr>
+          <p:cNvPr id="2" name="頁首版面配置區 1"/>
+          <p:cNvSpPr>
+            <a:spLocks noGrp="1"/>
+          </p:cNvSpPr>
+          <p:nvPr>
+            <p:ph type="hdr" sz="quarter"/>
+          </p:nvPr>
+        </p:nvSpPr>
+        <p:spPr>
+          <a:xfrm>
+            <a:off x="0" y="0"/>
+            <a:ext cx="2971800" cy="458788"/>
+          </a:xfrm>
+          <a:prstGeom prst="rect">
+            <a:avLst/>
+          </a:prstGeom>
+        </p:spPr>
+        <p:txBody>
+          <a:bodyPr vert="horz" lIns="91440" tIns="45720" rIns="91440" bIns="45720" rtlCol="0"/>
+          <a:lstStyle>
+            <a:lvl1pPr algn="l">
+              <a:defRPr sz="1200"/>
+            </a:lvl1pPr>
+          </a:lstStyle>
+          <a:p>
+            <a:endParaRPr kumimoji="1" lang="zh-TW" altLang="en-US"/>
+          </a:p>
+        </p:txBody>
+      </p:sp>
+      <p:sp>
+        <p:nvSpPr>
+          <p:cNvPr id="3" name="日期版面配置區 2"/>
+          <p:cNvSpPr>
+            <a:spLocks noGrp="1"/>
+          </p:cNvSpPr>
+          <p:nvPr>
+            <p:ph type="dt" idx="1"/>
+          </p:nvPr>
+        </p:nvSpPr>
+        <p:spPr>
+          <a:xfrm>
+            <a:off x="3884613" y="0"/>
+            <a:ext cx="2971800" cy="458788"/>
+          </a:xfrm>
+          <a:prstGeom prst="rect">
+            <a:avLst/>
+          </a:prstGeom>
+        </p:spPr>
+        <p:txBody>
+          <a:bodyPr vert="horz" lIns="91440" tIns="45720" rIns="91440" bIns="45720" rtlCol="0"/>
+          <a:lstStyle>
+            <a:lvl1pPr algn="r">
+              <a:defRPr sz="1200"/>
+            </a:lvl1pPr>
+          </a:lstStyle>
+          <a:p>
+            <a:fld id="{8B2C1FF7-3CD2-7848-AA02-AAC2E9ACC631}" type="datetimeFigureOut">
+              <a:rPr kumimoji="1" lang="zh-TW" altLang="en-US" smtClean="0"/>
+              <a:t>2022/10/21</a:t>
+            </a:fld>
+            <a:endParaRPr kumimoji="1" lang="zh-TW" altLang="en-US"/>
+          </a:p>
+        </p:txBody>
+      </p:sp>
+      <p:sp>
+        <p:nvSpPr>
+          <p:cNvPr id="4" name="投影片影像版面配置區 3"/>
+          <p:cNvSpPr>
+            <a:spLocks noGrp="1" noRot="1" noChangeAspect="1"/>
+          </p:cNvSpPr>
+          <p:nvPr>
+            <p:ph type="sldImg" idx="2"/>
+          </p:nvPr>
+        </p:nvSpPr>
+        <p:spPr>
+          <a:xfrm>
+            <a:off x="685800" y="1143000"/>
+            <a:ext cx="5486400" cy="3086100"/>
+          </a:xfrm>
+          <a:prstGeom prst="rect">
+            <a:avLst/>
+          </a:prstGeom>
+          <a:noFill/>
+          <a:ln w="12700">
+            <a:solidFill>
+              <a:prstClr val="black"/>
+            </a:solidFill>
+          </a:ln>
+        </p:spPr>
+        <p:txBody>
+          <a:bodyPr vert="horz" lIns="91440" tIns="45720" rIns="91440" bIns="45720" rtlCol="0" anchor="ctr"/>
+          <a:lstStyle/>
+          <a:p>
+            <a:endParaRPr lang="zh-TW" altLang="en-US"/>
+          </a:p>
+        </p:txBody>
+      </p:sp>
+      <p:sp>
+        <p:nvSpPr>
+          <p:cNvPr id="5" name="備忘稿版面配置區 4"/>
+          <p:cNvSpPr>
+            <a:spLocks noGrp="1"/>
+          </p:cNvSpPr>
+          <p:nvPr>
+            <p:ph type="body" sz="quarter" idx="3"/>
+          </p:nvPr>
+        </p:nvSpPr>
+        <p:spPr>
+          <a:xfrm>
+            <a:off x="685800" y="4400550"/>
+            <a:ext cx="5486400" cy="3600450"/>
+          </a:xfrm>
+          <a:prstGeom prst="rect">
+            <a:avLst/>
+          </a:prstGeom>
+        </p:spPr>
+        <p:txBody>
+          <a:bodyPr vert="horz" lIns="91440" tIns="45720" rIns="91440" bIns="45720" rtlCol="0"/>
+          <a:lstStyle/>
+          <a:p>
+            <a:pPr lvl="0"/>
+            <a:r>
+              <a:rPr kumimoji="1" lang="zh-TW" altLang="en-US"/>
+              <a:t>按一下以編輯母片文字樣式</a:t>
+            </a:r>
+          </a:p>
+          <a:p>
+            <a:pPr lvl="1"/>
+            <a:r>
+              <a:rPr kumimoji="1" lang="zh-TW" altLang="en-US"/>
+              <a:t>第二層</a:t>
+            </a:r>
+          </a:p>
+          <a:p>
+            <a:pPr lvl="2"/>
+            <a:r>
+              <a:rPr kumimoji="1" lang="zh-TW" altLang="en-US"/>
+              <a:t>第三層</a:t>
+            </a:r>
+          </a:p>
+          <a:p>
+            <a:pPr lvl="3"/>
+            <a:r>
+              <a:rPr kumimoji="1" lang="zh-TW" altLang="en-US"/>
+              <a:t>第四層</a:t>
+            </a:r>
+          </a:p>
+          <a:p>
+            <a:pPr lvl="4"/>
+            <a:r>
+              <a:rPr kumimoji="1" lang="zh-TW" altLang="en-US"/>
+              <a:t>第五層</a:t>
+            </a:r>
+          </a:p>
+        </p:txBody>
+      </p:sp>
+      <p:sp>
+        <p:nvSpPr>
+          <p:cNvPr id="6" name="頁尾版面配置區 5"/>
+          <p:cNvSpPr>
+            <a:spLocks noGrp="1"/>
+          </p:cNvSpPr>
+          <p:nvPr>
+            <p:ph type="ftr" sz="quarter" idx="4"/>
+          </p:nvPr>
+        </p:nvSpPr>
+        <p:spPr>
+          <a:xfrm>
+            <a:off x="0" y="8685213"/>
+            <a:ext cx="2971800" cy="458787"/>
+          </a:xfrm>
+          <a:prstGeom prst="rect">
+            <a:avLst/>
+          </a:prstGeom>
+        </p:spPr>
+        <p:txBody>
+          <a:bodyPr vert="horz" lIns="91440" tIns="45720" rIns="91440" bIns="45720" rtlCol="0" anchor="b"/>
+          <a:lstStyle>
+            <a:lvl1pPr algn="l">
+              <a:defRPr sz="1200"/>
+            </a:lvl1pPr>
+          </a:lstStyle>
+          <a:p>
+            <a:endParaRPr kumimoji="1" lang="zh-TW" altLang="en-US"/>
+          </a:p>
+        </p:txBody>
+      </p:sp>
+      <p:sp>
+        <p:nvSpPr>
+          <p:cNvPr id="7" name="投影片編號版面配置區 6"/>
+          <p:cNvSpPr>
+            <a:spLocks noGrp="1"/>
+          </p:cNvSpPr>
+          <p:nvPr>
+            <p:ph type="sldNum" sz="quarter" idx="5"/>
+          </p:nvPr>
+        </p:nvSpPr>
+        <p:spPr>
+          <a:xfrm>
+            <a:off x="3884613" y="8685213"/>
+            <a:ext cx="2971800" cy="458787"/>
+          </a:xfrm>
+          <a:prstGeom prst="rect">
+            <a:avLst/>
+          </a:prstGeom>
+        </p:spPr>
+        <p:txBody>
+          <a:bodyPr vert="horz" lIns="91440" tIns="45720" rIns="91440" bIns="45720" rtlCol="0" anchor="b"/>
+          <a:lstStyle>
+            <a:lvl1pPr algn="r">
+              <a:defRPr sz="1200"/>
+            </a:lvl1pPr>
+          </a:lstStyle>
+          <a:p>
+            <a:fld id="{B752E626-D61B-3349-A305-E6C623A40CA1}" type="slidenum">
+              <a:rPr kumimoji="1" lang="zh-TW" altLang="en-US" smtClean="0"/>
+              <a:t>‹#›</a:t>
+            </a:fld>
+            <a:endParaRPr kumimoji="1" lang="zh-TW" altLang="en-US"/>
+          </a:p>
+        </p:txBody>
+      </p:sp>
+    </p:spTree>
+    <p:extLst>
+      <p:ext uri="{BB962C8B-B14F-4D97-AF65-F5344CB8AC3E}">
+        <p14:creationId xmlns:p14="http://schemas.microsoft.com/office/powerpoint/2010/main" val="2076163215"/>
+      </p:ext>
+    </p:extLst>
+  </p:cSld>
+  <p:clrMap bg1="lt1" tx1="dk1" bg2="lt2" tx2="dk2" accent1="accent1" accent2="accent2" accent3="accent3" accent4="accent4" accent5="accent5" accent6="accent6" hlink="hlink" folHlink="folHlink"/>
+  <p:notesStyle>
+    <a:lvl1pPr marL="0" algn="l" defTabSz="914400" rtl="0" eaLnBrk="1" latinLnBrk="0" hangingPunct="1">
+      <a:defRPr sz="1200" kern="1200">
+        <a:solidFill>
+          <a:schemeClr val="tx1"/>
+        </a:solidFill>
+        <a:latin typeface="+mn-lt"/>
+        <a:ea typeface="+mn-ea"/>
+        <a:cs typeface="+mn-cs"/>
+      </a:defRPr>
+    </a:lvl1pPr>
+    <a:lvl2pPr marL="457200" algn="l" defTabSz="914400" rtl="0" eaLnBrk="1" latinLnBrk="0" hangingPunct="1">
+      <a:defRPr sz="1200" kern="1200">
+        <a:solidFill>
+          <a:schemeClr val="tx1"/>
+        </a:solidFill>
+        <a:latin typeface="+mn-lt"/>
+        <a:ea typeface="+mn-ea"/>
+        <a:cs typeface="+mn-cs"/>
+      </a:defRPr>
+    </a:lvl2pPr>
+    <a:lvl3pPr marL="914400" algn="l" defTabSz="914400" rtl="0" eaLnBrk="1" latinLnBrk="0" hangingPunct="1">
+      <a:defRPr sz="1200" kern="1200">
+        <a:solidFill>
+          <a:schemeClr val="tx1"/>
+        </a:solidFill>
+        <a:latin typeface="+mn-lt"/>
+        <a:ea typeface="+mn-ea"/>
+        <a:cs typeface="+mn-cs"/>
+      </a:defRPr>
+    </a:lvl3pPr>
+    <a:lvl4pPr marL="1371600" algn="l" defTabSz="914400" rtl="0" eaLnBrk="1" latinLnBrk="0" hangingPunct="1">
+      <a:defRPr sz="1200" kern="1200">
+        <a:solidFill>
+          <a:schemeClr val="tx1"/>
+        </a:solidFill>
+        <a:latin typeface="+mn-lt"/>
+        <a:ea typeface="+mn-ea"/>
+        <a:cs typeface="+mn-cs"/>
+      </a:defRPr>
+    </a:lvl4pPr>
+    <a:lvl5pPr marL="1828800" algn="l" defTabSz="914400" rtl="0" eaLnBrk="1" latinLnBrk="0" hangingPunct="1">
+      <a:defRPr sz="1200" kern="1200">
+        <a:solidFill>
+          <a:schemeClr val="tx1"/>
+        </a:solidFill>
+        <a:latin typeface="+mn-lt"/>
+        <a:ea typeface="+mn-ea"/>
+        <a:cs typeface="+mn-cs"/>
+      </a:defRPr>
+    </a:lvl5pPr>
+    <a:lvl6pPr marL="2286000" algn="l" defTabSz="914400" rtl="0" eaLnBrk="1" latinLnBrk="0" hangingPunct="1">
+      <a:defRPr sz="1200" kern="1200">
+        <a:solidFill>
+          <a:schemeClr val="tx1"/>
+        </a:solidFill>
+        <a:latin typeface="+mn-lt"/>
+        <a:ea typeface="+mn-ea"/>
+        <a:cs typeface="+mn-cs"/>
+      </a:defRPr>
+    </a:lvl6pPr>
+    <a:lvl7pPr marL="2743200" algn="l" defTabSz="914400" rtl="0" eaLnBrk="1" latinLnBrk="0" hangingPunct="1">
+      <a:defRPr sz="1200" kern="1200">
+        <a:solidFill>
+          <a:schemeClr val="tx1"/>
+        </a:solidFill>
+        <a:latin typeface="+mn-lt"/>
+        <a:ea typeface="+mn-ea"/>
+        <a:cs typeface="+mn-cs"/>
+      </a:defRPr>
+    </a:lvl7pPr>
+    <a:lvl8pPr marL="3200400" algn="l" defTabSz="914400" rtl="0" eaLnBrk="1" latinLnBrk="0" hangingPunct="1">
+      <a:defRPr sz="1200" kern="1200">
+        <a:solidFill>
+          <a:schemeClr val="tx1"/>
+        </a:solidFill>
+        <a:latin typeface="+mn-lt"/>
+        <a:ea typeface="+mn-ea"/>
+        <a:cs typeface="+mn-cs"/>
+      </a:defRPr>
+    </a:lvl8pPr>
+    <a:lvl9pPr marL="3657600" algn="l" defTabSz="914400" rtl="0" eaLnBrk="1" latinLnBrk="0" hangingPunct="1">
+      <a:defRPr sz="1200" kern="1200">
+        <a:solidFill>
+          <a:schemeClr val="tx1"/>
+        </a:solidFill>
+        <a:latin typeface="+mn-lt"/>
+        <a:ea typeface="+mn-ea"/>
+        <a:cs typeface="+mn-cs"/>
+      </a:defRPr>
+    </a:lvl9pPr>
+  </p:notesStyle>
+</p:notesMaster>
+</file>
+
 <file path=ppt/slideLayouts/slideLayout1.xml><?xml version="1.0" encoding="utf-8"?>
 <p:sldLayout xmlns:a="http://schemas.openxmlformats.org/drawingml/2006/main" xmlns:r="http://schemas.openxmlformats.org/officeDocument/2006/relationships" xmlns:p="http://schemas.openxmlformats.org/presentationml/2006/main" type="title" preserve="1">
   <p:cSld name="Title Slide">
@@ -155,12 +507,16 @@
           <a:bodyPr anchor="b"/>
           <a:lstStyle>
             <a:lvl1pPr algn="ctr">
-              <a:defRPr sz="6000"/>
+              <a:defRPr sz="6000">
+                <a:solidFill>
+                  <a:srgbClr val="C00000"/>
+                </a:solidFill>
+              </a:defRPr>
             </a:lvl1pPr>
           </a:lstStyle>
           <a:p>
             <a:r>
-              <a:rPr kumimoji="1" lang="zh-TW" altLang="en-US"/>
+              <a:rPr kumimoji="1" lang="zh-TW" altLang="en-US" dirty="0"/>
               <a:t>按一下以編輯母片標題樣式</a:t>
             </a:r>
           </a:p>
@@ -257,9 +613,9 @@
           <a:bodyPr/>
           <a:lstStyle/>
           <a:p>
-            <a:fld id="{C1E18A28-2211-8445-951F-7FB6C7D14141}" type="datetimeFigureOut">
+            <a:fld id="{6B6E8288-18DC-6748-8F07-FCE7E33E0387}" type="datetime1">
               <a:rPr kumimoji="1" lang="zh-TW" altLang="en-US" smtClean="0"/>
-              <a:t>2022/10/18</a:t>
+              <a:t>2022/10/21</a:t>
             </a:fld>
             <a:endParaRPr kumimoji="1" lang="zh-TW" altLang="en-US"/>
           </a:p>
@@ -286,7 +642,10 @@
           <a:bodyPr/>
           <a:lstStyle/>
           <a:p>
-            <a:endParaRPr kumimoji="1" lang="zh-TW" altLang="en-US"/>
+            <a:r>
+              <a:rPr kumimoji="1" lang="zh-TW" altLang="en-US" dirty="0"/>
+              <a:t>蜥蜴出品</a:t>
+            </a:r>
           </a:p>
         </p:txBody>
       </p:sp>
@@ -460,9 +819,9 @@
           <a:bodyPr/>
           <a:lstStyle/>
           <a:p>
-            <a:fld id="{C1E18A28-2211-8445-951F-7FB6C7D14141}" type="datetimeFigureOut">
+            <a:fld id="{0E590ADA-43E4-064B-9A8D-5A88906B8E29}" type="datetime1">
               <a:rPr kumimoji="1" lang="zh-TW" altLang="en-US" smtClean="0"/>
-              <a:t>2022/10/18</a:t>
+              <a:t>2022/10/21</a:t>
             </a:fld>
             <a:endParaRPr kumimoji="1" lang="zh-TW" altLang="en-US"/>
           </a:p>
@@ -489,7 +848,10 @@
           <a:bodyPr/>
           <a:lstStyle/>
           <a:p>
-            <a:endParaRPr kumimoji="1" lang="zh-TW" altLang="en-US"/>
+            <a:r>
+              <a:rPr kumimoji="1" lang="zh-TW" altLang="en-US"/>
+              <a:t>蜥蜴出品</a:t>
+            </a:r>
           </a:p>
         </p:txBody>
       </p:sp>
@@ -668,9 +1030,9 @@
           <a:bodyPr/>
           <a:lstStyle/>
           <a:p>
-            <a:fld id="{C1E18A28-2211-8445-951F-7FB6C7D14141}" type="datetimeFigureOut">
+            <a:fld id="{FBDCD0F0-79F6-E345-907A-13DAB23A575A}" type="datetime1">
               <a:rPr kumimoji="1" lang="zh-TW" altLang="en-US" smtClean="0"/>
-              <a:t>2022/10/18</a:t>
+              <a:t>2022/10/21</a:t>
             </a:fld>
             <a:endParaRPr kumimoji="1" lang="zh-TW" altLang="en-US"/>
           </a:p>
@@ -697,7 +1059,10 @@
           <a:bodyPr/>
           <a:lstStyle/>
           <a:p>
-            <a:endParaRPr kumimoji="1" lang="zh-TW" altLang="en-US"/>
+            <a:r>
+              <a:rPr kumimoji="1" lang="zh-TW" altLang="en-US"/>
+              <a:t>蜥蜴出品</a:t>
+            </a:r>
           </a:p>
         </p:txBody>
       </p:sp>
@@ -866,9 +1231,9 @@
           <a:bodyPr/>
           <a:lstStyle/>
           <a:p>
-            <a:fld id="{C1E18A28-2211-8445-951F-7FB6C7D14141}" type="datetimeFigureOut">
+            <a:fld id="{A0215A02-CC4D-C447-92DE-E9526678BE8F}" type="datetime1">
               <a:rPr kumimoji="1" lang="zh-TW" altLang="en-US" smtClean="0"/>
-              <a:t>2022/10/18</a:t>
+              <a:t>2022/10/21</a:t>
             </a:fld>
             <a:endParaRPr kumimoji="1" lang="zh-TW" altLang="en-US"/>
           </a:p>
@@ -895,7 +1260,10 @@
           <a:bodyPr/>
           <a:lstStyle/>
           <a:p>
-            <a:endParaRPr kumimoji="1" lang="zh-TW" altLang="en-US"/>
+            <a:r>
+              <a:rPr kumimoji="1" lang="zh-TW" altLang="en-US"/>
+              <a:t>蜥蜴出品</a:t>
+            </a:r>
           </a:p>
         </p:txBody>
       </p:sp>
@@ -1141,9 +1509,9 @@
           <a:bodyPr/>
           <a:lstStyle/>
           <a:p>
-            <a:fld id="{C1E18A28-2211-8445-951F-7FB6C7D14141}" type="datetimeFigureOut">
+            <a:fld id="{7E85531B-CCE9-E041-8166-675B4B46487C}" type="datetime1">
               <a:rPr kumimoji="1" lang="zh-TW" altLang="en-US" smtClean="0"/>
-              <a:t>2022/10/18</a:t>
+              <a:t>2022/10/21</a:t>
             </a:fld>
             <a:endParaRPr kumimoji="1" lang="zh-TW" altLang="en-US"/>
           </a:p>
@@ -1170,7 +1538,10 @@
           <a:bodyPr/>
           <a:lstStyle/>
           <a:p>
-            <a:endParaRPr kumimoji="1" lang="zh-TW" altLang="en-US"/>
+            <a:r>
+              <a:rPr kumimoji="1" lang="zh-TW" altLang="en-US"/>
+              <a:t>蜥蜴出品</a:t>
+            </a:r>
           </a:p>
         </p:txBody>
       </p:sp>
@@ -1406,9 +1777,9 @@
           <a:bodyPr/>
           <a:lstStyle/>
           <a:p>
-            <a:fld id="{C1E18A28-2211-8445-951F-7FB6C7D14141}" type="datetimeFigureOut">
+            <a:fld id="{10E1F5DC-AE57-884A-8A7B-6146B7C0EFB4}" type="datetime1">
               <a:rPr kumimoji="1" lang="zh-TW" altLang="en-US" smtClean="0"/>
-              <a:t>2022/10/18</a:t>
+              <a:t>2022/10/21</a:t>
             </a:fld>
             <a:endParaRPr kumimoji="1" lang="zh-TW" altLang="en-US"/>
           </a:p>
@@ -1435,7 +1806,10 @@
           <a:bodyPr/>
           <a:lstStyle/>
           <a:p>
-            <a:endParaRPr kumimoji="1" lang="zh-TW" altLang="en-US"/>
+            <a:r>
+              <a:rPr kumimoji="1" lang="zh-TW" altLang="en-US"/>
+              <a:t>蜥蜴出品</a:t>
+            </a:r>
           </a:p>
         </p:txBody>
       </p:sp>
@@ -1818,9 +2192,9 @@
           <a:bodyPr/>
           <a:lstStyle/>
           <a:p>
-            <a:fld id="{C1E18A28-2211-8445-951F-7FB6C7D14141}" type="datetimeFigureOut">
+            <a:fld id="{587334C5-09FA-594C-95E1-F7D858B8824A}" type="datetime1">
               <a:rPr kumimoji="1" lang="zh-TW" altLang="en-US" smtClean="0"/>
-              <a:t>2022/10/18</a:t>
+              <a:t>2022/10/21</a:t>
             </a:fld>
             <a:endParaRPr kumimoji="1" lang="zh-TW" altLang="en-US"/>
           </a:p>
@@ -1847,7 +2221,10 @@
           <a:bodyPr/>
           <a:lstStyle/>
           <a:p>
-            <a:endParaRPr kumimoji="1" lang="zh-TW" altLang="en-US"/>
+            <a:r>
+              <a:rPr kumimoji="1" lang="zh-TW" altLang="en-US"/>
+              <a:t>蜥蜴出品</a:t>
+            </a:r>
           </a:p>
         </p:txBody>
       </p:sp>
@@ -1959,9 +2336,9 @@
           <a:bodyPr/>
           <a:lstStyle/>
           <a:p>
-            <a:fld id="{C1E18A28-2211-8445-951F-7FB6C7D14141}" type="datetimeFigureOut">
+            <a:fld id="{5F45E731-440C-5242-9E41-A519B8073901}" type="datetime1">
               <a:rPr kumimoji="1" lang="zh-TW" altLang="en-US" smtClean="0"/>
-              <a:t>2022/10/18</a:t>
+              <a:t>2022/10/21</a:t>
             </a:fld>
             <a:endParaRPr kumimoji="1" lang="zh-TW" altLang="en-US"/>
           </a:p>
@@ -1988,7 +2365,10 @@
           <a:bodyPr/>
           <a:lstStyle/>
           <a:p>
-            <a:endParaRPr kumimoji="1" lang="zh-TW" altLang="en-US"/>
+            <a:r>
+              <a:rPr kumimoji="1" lang="zh-TW" altLang="en-US"/>
+              <a:t>蜥蜴出品</a:t>
+            </a:r>
           </a:p>
         </p:txBody>
       </p:sp>
@@ -2072,9 +2452,9 @@
           <a:bodyPr/>
           <a:lstStyle/>
           <a:p>
-            <a:fld id="{C1E18A28-2211-8445-951F-7FB6C7D14141}" type="datetimeFigureOut">
+            <a:fld id="{F3396B5F-4602-D844-85E9-A35B87FB848E}" type="datetime1">
               <a:rPr kumimoji="1" lang="zh-TW" altLang="en-US" smtClean="0"/>
-              <a:t>2022/10/18</a:t>
+              <a:t>2022/10/21</a:t>
             </a:fld>
             <a:endParaRPr kumimoji="1" lang="zh-TW" altLang="en-US"/>
           </a:p>
@@ -2101,7 +2481,10 @@
           <a:bodyPr/>
           <a:lstStyle/>
           <a:p>
-            <a:endParaRPr kumimoji="1" lang="zh-TW" altLang="en-US"/>
+            <a:r>
+              <a:rPr kumimoji="1" lang="zh-TW" altLang="en-US"/>
+              <a:t>蜥蜴出品</a:t>
+            </a:r>
           </a:p>
         </p:txBody>
       </p:sp>
@@ -2388,9 +2771,9 @@
           <a:bodyPr/>
           <a:lstStyle/>
           <a:p>
-            <a:fld id="{C1E18A28-2211-8445-951F-7FB6C7D14141}" type="datetimeFigureOut">
+            <a:fld id="{0ED98EBB-8707-6242-92E0-8DE05B76A49C}" type="datetime1">
               <a:rPr kumimoji="1" lang="zh-TW" altLang="en-US" smtClean="0"/>
-              <a:t>2022/10/18</a:t>
+              <a:t>2022/10/21</a:t>
             </a:fld>
             <a:endParaRPr kumimoji="1" lang="zh-TW" altLang="en-US"/>
           </a:p>
@@ -2417,7 +2800,10 @@
           <a:bodyPr/>
           <a:lstStyle/>
           <a:p>
-            <a:endParaRPr kumimoji="1" lang="zh-TW" altLang="en-US"/>
+            <a:r>
+              <a:rPr kumimoji="1" lang="zh-TW" altLang="en-US"/>
+              <a:t>蜥蜴出品</a:t>
+            </a:r>
           </a:p>
         </p:txBody>
       </p:sp>
@@ -2676,9 +3062,9 @@
           <a:bodyPr/>
           <a:lstStyle/>
           <a:p>
-            <a:fld id="{C1E18A28-2211-8445-951F-7FB6C7D14141}" type="datetimeFigureOut">
+            <a:fld id="{20FE636C-0ADD-4D43-84F1-CB39BD3070E6}" type="datetime1">
               <a:rPr kumimoji="1" lang="zh-TW" altLang="en-US" smtClean="0"/>
-              <a:t>2022/10/18</a:t>
+              <a:t>2022/10/21</a:t>
             </a:fld>
             <a:endParaRPr kumimoji="1" lang="zh-TW" altLang="en-US"/>
           </a:p>
@@ -2705,7 +3091,10 @@
           <a:bodyPr/>
           <a:lstStyle/>
           <a:p>
-            <a:endParaRPr kumimoji="1" lang="zh-TW" altLang="en-US"/>
+            <a:r>
+              <a:rPr kumimoji="1" lang="zh-TW" altLang="en-US"/>
+              <a:t>蜥蜴出品</a:t>
+            </a:r>
           </a:p>
         </p:txBody>
       </p:sp>
@@ -2917,9 +3306,9 @@
             </a:lvl1pPr>
           </a:lstStyle>
           <a:p>
-            <a:fld id="{C1E18A28-2211-8445-951F-7FB6C7D14141}" type="datetimeFigureOut">
+            <a:fld id="{01AF8313-9347-FA4B-8E7E-62CCBCA813E5}" type="datetime1">
               <a:rPr kumimoji="1" lang="zh-TW" altLang="en-US" smtClean="0"/>
-              <a:t>2022/10/18</a:t>
+              <a:t>2022/10/21</a:t>
             </a:fld>
             <a:endParaRPr kumimoji="1" lang="zh-TW" altLang="en-US"/>
           </a:p>
@@ -2964,7 +3353,10 @@
             </a:lvl1pPr>
           </a:lstStyle>
           <a:p>
-            <a:endParaRPr kumimoji="1" lang="zh-TW" altLang="en-US"/>
+            <a:r>
+              <a:rPr kumimoji="1" lang="zh-TW" altLang="en-US"/>
+              <a:t>蜥蜴出品</a:t>
+            </a:r>
           </a:p>
         </p:txBody>
       </p:sp>
@@ -3035,6 +3427,7 @@
     <p:sldLayoutId id="2147483658" r:id="rId10"/>
     <p:sldLayoutId id="2147483659" r:id="rId11"/>
   </p:sldLayoutIdLst>
+  <p:hf hdr="0" dt="0"/>
   <p:txStyles>
     <p:titleStyle>
       <a:lvl1pPr algn="l" defTabSz="914400" rtl="0" eaLnBrk="1" latinLnBrk="0" hangingPunct="1">
@@ -3058,7 +3451,7 @@
     <p:bodyStyle>
       <a:lvl1pPr marL="228600" indent="-228600" algn="l" defTabSz="914400" rtl="0" eaLnBrk="1" latinLnBrk="0" hangingPunct="1">
         <a:lnSpc>
-          <a:spcPct val="90000"/>
+          <a:spcPct val="150000"/>
         </a:lnSpc>
         <a:spcBef>
           <a:spcPts val="1000"/>
@@ -3079,7 +3472,7 @@
       </a:lvl1pPr>
       <a:lvl2pPr marL="685800" indent="-228600" algn="l" defTabSz="914400" rtl="0" eaLnBrk="1" latinLnBrk="0" hangingPunct="1">
         <a:lnSpc>
-          <a:spcPct val="90000"/>
+          <a:spcPct val="150000"/>
         </a:lnSpc>
         <a:spcBef>
           <a:spcPts val="500"/>
@@ -3100,7 +3493,7 @@
       </a:lvl2pPr>
       <a:lvl3pPr marL="1143000" indent="-228600" algn="l" defTabSz="914400" rtl="0" eaLnBrk="1" latinLnBrk="0" hangingPunct="1">
         <a:lnSpc>
-          <a:spcPct val="90000"/>
+          <a:spcPct val="150000"/>
         </a:lnSpc>
         <a:spcBef>
           <a:spcPts val="500"/>
@@ -3121,7 +3514,7 @@
       </a:lvl3pPr>
       <a:lvl4pPr marL="1600200" indent="-228600" algn="l" defTabSz="914400" rtl="0" eaLnBrk="1" latinLnBrk="0" hangingPunct="1">
         <a:lnSpc>
-          <a:spcPct val="90000"/>
+          <a:spcPct val="150000"/>
         </a:lnSpc>
         <a:spcBef>
           <a:spcPts val="500"/>
@@ -3142,7 +3535,7 @@
       </a:lvl4pPr>
       <a:lvl5pPr marL="2057400" indent="-228600" algn="l" defTabSz="914400" rtl="0" eaLnBrk="1" latinLnBrk="0" hangingPunct="1">
         <a:lnSpc>
-          <a:spcPct val="90000"/>
+          <a:spcPct val="150000"/>
         </a:lnSpc>
         <a:spcBef>
           <a:spcPts val="500"/>
@@ -3706,4 +4099,299 @@
     </a:ext>
   </a:extLst>
 </a:theme>
+</file>
+
+<file path=ppt/theme/theme2.xml><?xml version="1.0" encoding="utf-8"?>
+<a:theme xmlns:a="http://schemas.openxmlformats.org/drawingml/2006/main" name="Office 佈景主題">
+  <a:themeElements>
+    <a:clrScheme name="Office">
+      <a:dk1>
+        <a:sysClr val="windowText" lastClr="000000"/>
+      </a:dk1>
+      <a:lt1>
+        <a:sysClr val="window" lastClr="FFFFFF"/>
+      </a:lt1>
+      <a:dk2>
+        <a:srgbClr val="44546A"/>
+      </a:dk2>
+      <a:lt2>
+        <a:srgbClr val="E7E6E6"/>
+      </a:lt2>
+      <a:accent1>
+        <a:srgbClr val="4472C4"/>
+      </a:accent1>
+      <a:accent2>
+        <a:srgbClr val="ED7D31"/>
+      </a:accent2>
+      <a:accent3>
+        <a:srgbClr val="A5A5A5"/>
+      </a:accent3>
+      <a:accent4>
+        <a:srgbClr val="FFC000"/>
+      </a:accent4>
+      <a:accent5>
+        <a:srgbClr val="5B9BD5"/>
+      </a:accent5>
+      <a:accent6>
+        <a:srgbClr val="70AD47"/>
+      </a:accent6>
+      <a:hlink>
+        <a:srgbClr val="0563C1"/>
+      </a:hlink>
+      <a:folHlink>
+        <a:srgbClr val="954F72"/>
+      </a:folHlink>
+    </a:clrScheme>
+    <a:fontScheme name="Office">
+      <a:majorFont>
+        <a:latin typeface="Calibri Light" panose="020F0302020204030204"/>
+        <a:ea typeface=""/>
+        <a:cs typeface=""/>
+        <a:font script="Jpan" typeface="游ゴシック Light"/>
+        <a:font script="Hang" typeface="맑은 고딕"/>
+        <a:font script="Hans" typeface="等线 Light"/>
+        <a:font script="Hant" typeface="新細明體"/>
+        <a:font script="Arab" typeface="Times New Roman"/>
+        <a:font script="Hebr" typeface="Times New Roman"/>
+        <a:font script="Thai" typeface="Angsana New"/>
+        <a:font script="Ethi" typeface="Nyala"/>
+        <a:font script="Beng" typeface="Vrinda"/>
+        <a:font script="Gujr" typeface="Shruti"/>
+        <a:font script="Khmr" typeface="MoolBoran"/>
+        <a:font script="Knda" typeface="Tunga"/>
+        <a:font script="Guru" typeface="Raavi"/>
+        <a:font script="Cans" typeface="Euphemia"/>
+        <a:font script="Cher" typeface="Plantagenet Cherokee"/>
+        <a:font script="Yiii" typeface="Microsoft Yi Baiti"/>
+        <a:font script="Tibt" typeface="Microsoft Himalaya"/>
+        <a:font script="Thaa" typeface="MV Boli"/>
+        <a:font script="Deva" typeface="Mangal"/>
+        <a:font script="Telu" typeface="Gautami"/>
+        <a:font script="Taml" typeface="Latha"/>
+        <a:font script="Syrc" typeface="Estrangelo Edessa"/>
+        <a:font script="Orya" typeface="Kalinga"/>
+        <a:font script="Mlym" typeface="Kartika"/>
+        <a:font script="Laoo" typeface="DokChampa"/>
+        <a:font script="Sinh" typeface="Iskoola Pota"/>
+        <a:font script="Mong" typeface="Mongolian Baiti"/>
+        <a:font script="Viet" typeface="Times New Roman"/>
+        <a:font script="Uigh" typeface="Microsoft Uighur"/>
+        <a:font script="Geor" typeface="Sylfaen"/>
+        <a:font script="Armn" typeface="Arial"/>
+        <a:font script="Bugi" typeface="Leelawadee UI"/>
+        <a:font script="Bopo" typeface="Microsoft JhengHei"/>
+        <a:font script="Java" typeface="Javanese Text"/>
+        <a:font script="Lisu" typeface="Segoe UI"/>
+        <a:font script="Mymr" typeface="Myanmar Text"/>
+        <a:font script="Nkoo" typeface="Ebrima"/>
+        <a:font script="Olck" typeface="Nirmala UI"/>
+        <a:font script="Osma" typeface="Ebrima"/>
+        <a:font script="Phag" typeface="Phagspa"/>
+        <a:font script="Syrn" typeface="Estrangelo Edessa"/>
+        <a:font script="Syrj" typeface="Estrangelo Edessa"/>
+        <a:font script="Syre" typeface="Estrangelo Edessa"/>
+        <a:font script="Sora" typeface="Nirmala UI"/>
+        <a:font script="Tale" typeface="Microsoft Tai Le"/>
+        <a:font script="Talu" typeface="Microsoft New Tai Lue"/>
+        <a:font script="Tfng" typeface="Ebrima"/>
+      </a:majorFont>
+      <a:minorFont>
+        <a:latin typeface="Calibri" panose="020F0502020204030204"/>
+        <a:ea typeface=""/>
+        <a:cs typeface=""/>
+        <a:font script="Jpan" typeface="游ゴシック"/>
+        <a:font script="Hang" typeface="맑은 고딕"/>
+        <a:font script="Hans" typeface="等线"/>
+        <a:font script="Hant" typeface="新細明體"/>
+        <a:font script="Arab" typeface="Arial"/>
+        <a:font script="Hebr" typeface="Arial"/>
+        <a:font script="Thai" typeface="Cordia New"/>
+        <a:font script="Ethi" typeface="Nyala"/>
+        <a:font script="Beng" typeface="Vrinda"/>
+        <a:font script="Gujr" typeface="Shruti"/>
+        <a:font script="Khmr" typeface="DaunPenh"/>
+        <a:font script="Knda" typeface="Tunga"/>
+        <a:font script="Guru" typeface="Raavi"/>
+        <a:font script="Cans" typeface="Euphemia"/>
+        <a:font script="Cher" typeface="Plantagenet Cherokee"/>
+        <a:font script="Yiii" typeface="Microsoft Yi Baiti"/>
+        <a:font script="Tibt" typeface="Microsoft Himalaya"/>
+        <a:font script="Thaa" typeface="MV Boli"/>
+        <a:font script="Deva" typeface="Mangal"/>
+        <a:font script="Telu" typeface="Gautami"/>
+        <a:font script="Taml" typeface="Latha"/>
+        <a:font script="Syrc" typeface="Estrangelo Edessa"/>
+        <a:font script="Orya" typeface="Kalinga"/>
+        <a:font script="Mlym" typeface="Kartika"/>
+        <a:font script="Laoo" typeface="DokChampa"/>
+        <a:font script="Sinh" typeface="Iskoola Pota"/>
+        <a:font script="Mong" typeface="Mongolian Baiti"/>
+        <a:font script="Viet" typeface="Arial"/>
+        <a:font script="Uigh" typeface="Microsoft Uighur"/>
+        <a:font script="Geor" typeface="Sylfaen"/>
+        <a:font script="Armn" typeface="Arial"/>
+        <a:font script="Bugi" typeface="Leelawadee UI"/>
+        <a:font script="Bopo" typeface="Microsoft JhengHei"/>
+        <a:font script="Java" typeface="Javanese Text"/>
+        <a:font script="Lisu" typeface="Segoe UI"/>
+        <a:font script="Mymr" typeface="Myanmar Text"/>
+        <a:font script="Nkoo" typeface="Ebrima"/>
+        <a:font script="Olck" typeface="Nirmala UI"/>
+        <a:font script="Osma" typeface="Ebrima"/>
+        <a:font script="Phag" typeface="Phagspa"/>
+        <a:font script="Syrn" typeface="Estrangelo Edessa"/>
+        <a:font script="Syrj" typeface="Estrangelo Edessa"/>
+        <a:font script="Syre" typeface="Estrangelo Edessa"/>
+        <a:font script="Sora" typeface="Nirmala UI"/>
+        <a:font script="Tale" typeface="Microsoft Tai Le"/>
+        <a:font script="Talu" typeface="Microsoft New Tai Lue"/>
+        <a:font script="Tfng" typeface="Ebrima"/>
+      </a:minorFont>
+    </a:fontScheme>
+    <a:fmtScheme name="Office">
+      <a:fillStyleLst>
+        <a:solidFill>
+          <a:schemeClr val="phClr"/>
+        </a:solidFill>
+        <a:gradFill rotWithShape="1">
+          <a:gsLst>
+            <a:gs pos="0">
+              <a:schemeClr val="phClr">
+                <a:lumMod val="110000"/>
+                <a:satMod val="105000"/>
+                <a:tint val="67000"/>
+              </a:schemeClr>
+            </a:gs>
+            <a:gs pos="50000">
+              <a:schemeClr val="phClr">
+                <a:lumMod val="105000"/>
+                <a:satMod val="103000"/>
+                <a:tint val="73000"/>
+              </a:schemeClr>
+            </a:gs>
+            <a:gs pos="100000">
+              <a:schemeClr val="phClr">
+                <a:lumMod val="105000"/>
+                <a:satMod val="109000"/>
+                <a:tint val="81000"/>
+              </a:schemeClr>
+            </a:gs>
+          </a:gsLst>
+          <a:lin ang="5400000" scaled="0"/>
+        </a:gradFill>
+        <a:gradFill rotWithShape="1">
+          <a:gsLst>
+            <a:gs pos="0">
+              <a:schemeClr val="phClr">
+                <a:satMod val="103000"/>
+                <a:lumMod val="102000"/>
+                <a:tint val="94000"/>
+              </a:schemeClr>
+            </a:gs>
+            <a:gs pos="50000">
+              <a:schemeClr val="phClr">
+                <a:satMod val="110000"/>
+                <a:lumMod val="100000"/>
+                <a:shade val="100000"/>
+              </a:schemeClr>
+            </a:gs>
+            <a:gs pos="100000">
+              <a:schemeClr val="phClr">
+                <a:lumMod val="99000"/>
+                <a:satMod val="120000"/>
+                <a:shade val="78000"/>
+              </a:schemeClr>
+            </a:gs>
+          </a:gsLst>
+          <a:lin ang="5400000" scaled="0"/>
+        </a:gradFill>
+      </a:fillStyleLst>
+      <a:lnStyleLst>
+        <a:ln w="6350" cap="flat" cmpd="sng" algn="ctr">
+          <a:solidFill>
+            <a:schemeClr val="phClr"/>
+          </a:solidFill>
+          <a:prstDash val="solid"/>
+          <a:miter lim="800000"/>
+        </a:ln>
+        <a:ln w="12700" cap="flat" cmpd="sng" algn="ctr">
+          <a:solidFill>
+            <a:schemeClr val="phClr"/>
+          </a:solidFill>
+          <a:prstDash val="solid"/>
+          <a:miter lim="800000"/>
+        </a:ln>
+        <a:ln w="19050" cap="flat" cmpd="sng" algn="ctr">
+          <a:solidFill>
+            <a:schemeClr val="phClr"/>
+          </a:solidFill>
+          <a:prstDash val="solid"/>
+          <a:miter lim="800000"/>
+        </a:ln>
+      </a:lnStyleLst>
+      <a:effectStyleLst>
+        <a:effectStyle>
+          <a:effectLst/>
+        </a:effectStyle>
+        <a:effectStyle>
+          <a:effectLst/>
+        </a:effectStyle>
+        <a:effectStyle>
+          <a:effectLst>
+            <a:outerShdw blurRad="57150" dist="19050" dir="5400000" algn="ctr" rotWithShape="0">
+              <a:srgbClr val="000000">
+                <a:alpha val="63000"/>
+              </a:srgbClr>
+            </a:outerShdw>
+          </a:effectLst>
+        </a:effectStyle>
+      </a:effectStyleLst>
+      <a:bgFillStyleLst>
+        <a:solidFill>
+          <a:schemeClr val="phClr"/>
+        </a:solidFill>
+        <a:solidFill>
+          <a:schemeClr val="phClr">
+            <a:tint val="95000"/>
+            <a:satMod val="170000"/>
+          </a:schemeClr>
+        </a:solidFill>
+        <a:gradFill rotWithShape="1">
+          <a:gsLst>
+            <a:gs pos="0">
+              <a:schemeClr val="phClr">
+                <a:tint val="93000"/>
+                <a:satMod val="150000"/>
+                <a:shade val="98000"/>
+                <a:lumMod val="102000"/>
+              </a:schemeClr>
+            </a:gs>
+            <a:gs pos="50000">
+              <a:schemeClr val="phClr">
+                <a:tint val="98000"/>
+                <a:satMod val="130000"/>
+                <a:shade val="90000"/>
+                <a:lumMod val="103000"/>
+              </a:schemeClr>
+            </a:gs>
+            <a:gs pos="100000">
+              <a:schemeClr val="phClr">
+                <a:shade val="63000"/>
+                <a:satMod val="120000"/>
+              </a:schemeClr>
+            </a:gs>
+          </a:gsLst>
+          <a:lin ang="5400000" scaled="0"/>
+        </a:gradFill>
+      </a:bgFillStyleLst>
+    </a:fmtScheme>
+  </a:themeElements>
+  <a:objectDefaults/>
+  <a:extraClrSchemeLst/>
+  <a:extLst>
+    <a:ext uri="{05A4C25C-085E-4340-85A3-A5531E510DB2}">
+      <thm15:themeFamily xmlns:thm15="http://schemas.microsoft.com/office/thememl/2012/main" name="Office Theme" id="{62F939B6-93AF-4DB8-9C6B-D6C7DFDC589F}" vid="{4A3C46E8-61CC-4603-A589-7422A47A8E4A}"/>
+    </a:ext>
+  </a:extLst>
+</a:theme>
 </file>
--- a/slidetemp.pptx
+++ b/slidetemp.pptx
@@ -197,7 +197,7 @@
           <a:p>
             <a:fld id="{8B2C1FF7-3CD2-7848-AA02-AAC2E9ACC631}" type="datetimeFigureOut">
               <a:rPr kumimoji="1" lang="zh-TW" altLang="en-US" smtClean="0"/>
-              <a:t>2022/10/21</a:t>
+              <a:t>2022/10/22</a:t>
             </a:fld>
             <a:endParaRPr kumimoji="1" lang="zh-TW" altLang="en-US"/>
           </a:p>
@@ -615,7 +615,7 @@
           <a:p>
             <a:fld id="{6B6E8288-18DC-6748-8F07-FCE7E33E0387}" type="datetime1">
               <a:rPr kumimoji="1" lang="zh-TW" altLang="en-US" smtClean="0"/>
-              <a:t>2022/10/21</a:t>
+              <a:t>2022/10/22</a:t>
             </a:fld>
             <a:endParaRPr kumimoji="1" lang="zh-TW" altLang="en-US"/>
           </a:p>
@@ -821,7 +821,7 @@
           <a:p>
             <a:fld id="{0E590ADA-43E4-064B-9A8D-5A88906B8E29}" type="datetime1">
               <a:rPr kumimoji="1" lang="zh-TW" altLang="en-US" smtClean="0"/>
-              <a:t>2022/10/21</a:t>
+              <a:t>2022/10/22</a:t>
             </a:fld>
             <a:endParaRPr kumimoji="1" lang="zh-TW" altLang="en-US"/>
           </a:p>
@@ -1032,7 +1032,7 @@
           <a:p>
             <a:fld id="{FBDCD0F0-79F6-E345-907A-13DAB23A575A}" type="datetime1">
               <a:rPr kumimoji="1" lang="zh-TW" altLang="en-US" smtClean="0"/>
-              <a:t>2022/10/21</a:t>
+              <a:t>2022/10/22</a:t>
             </a:fld>
             <a:endParaRPr kumimoji="1" lang="zh-TW" altLang="en-US"/>
           </a:p>
@@ -1233,7 +1233,7 @@
           <a:p>
             <a:fld id="{A0215A02-CC4D-C447-92DE-E9526678BE8F}" type="datetime1">
               <a:rPr kumimoji="1" lang="zh-TW" altLang="en-US" smtClean="0"/>
-              <a:t>2022/10/21</a:t>
+              <a:t>2022/10/22</a:t>
             </a:fld>
             <a:endParaRPr kumimoji="1" lang="zh-TW" altLang="en-US"/>
           </a:p>
@@ -1511,7 +1511,7 @@
           <a:p>
             <a:fld id="{7E85531B-CCE9-E041-8166-675B4B46487C}" type="datetime1">
               <a:rPr kumimoji="1" lang="zh-TW" altLang="en-US" smtClean="0"/>
-              <a:t>2022/10/21</a:t>
+              <a:t>2022/10/22</a:t>
             </a:fld>
             <a:endParaRPr kumimoji="1" lang="zh-TW" altLang="en-US"/>
           </a:p>
@@ -1779,7 +1779,7 @@
           <a:p>
             <a:fld id="{10E1F5DC-AE57-884A-8A7B-6146B7C0EFB4}" type="datetime1">
               <a:rPr kumimoji="1" lang="zh-TW" altLang="en-US" smtClean="0"/>
-              <a:t>2022/10/21</a:t>
+              <a:t>2022/10/22</a:t>
             </a:fld>
             <a:endParaRPr kumimoji="1" lang="zh-TW" altLang="en-US"/>
           </a:p>
@@ -2194,7 +2194,7 @@
           <a:p>
             <a:fld id="{587334C5-09FA-594C-95E1-F7D858B8824A}" type="datetime1">
               <a:rPr kumimoji="1" lang="zh-TW" altLang="en-US" smtClean="0"/>
-              <a:t>2022/10/21</a:t>
+              <a:t>2022/10/22</a:t>
             </a:fld>
             <a:endParaRPr kumimoji="1" lang="zh-TW" altLang="en-US"/>
           </a:p>
@@ -2338,7 +2338,7 @@
           <a:p>
             <a:fld id="{5F45E731-440C-5242-9E41-A519B8073901}" type="datetime1">
               <a:rPr kumimoji="1" lang="zh-TW" altLang="en-US" smtClean="0"/>
-              <a:t>2022/10/21</a:t>
+              <a:t>2022/10/22</a:t>
             </a:fld>
             <a:endParaRPr kumimoji="1" lang="zh-TW" altLang="en-US"/>
           </a:p>
@@ -2454,7 +2454,7 @@
           <a:p>
             <a:fld id="{F3396B5F-4602-D844-85E9-A35B87FB848E}" type="datetime1">
               <a:rPr kumimoji="1" lang="zh-TW" altLang="en-US" smtClean="0"/>
-              <a:t>2022/10/21</a:t>
+              <a:t>2022/10/22</a:t>
             </a:fld>
             <a:endParaRPr kumimoji="1" lang="zh-TW" altLang="en-US"/>
           </a:p>
@@ -2773,7 +2773,7 @@
           <a:p>
             <a:fld id="{0ED98EBB-8707-6242-92E0-8DE05B76A49C}" type="datetime1">
               <a:rPr kumimoji="1" lang="zh-TW" altLang="en-US" smtClean="0"/>
-              <a:t>2022/10/21</a:t>
+              <a:t>2022/10/22</a:t>
             </a:fld>
             <a:endParaRPr kumimoji="1" lang="zh-TW" altLang="en-US"/>
           </a:p>
@@ -3064,7 +3064,7 @@
           <a:p>
             <a:fld id="{20FE636C-0ADD-4D43-84F1-CB39BD3070E6}" type="datetime1">
               <a:rPr kumimoji="1" lang="zh-TW" altLang="en-US" smtClean="0"/>
-              <a:t>2022/10/21</a:t>
+              <a:t>2022/10/22</a:t>
             </a:fld>
             <a:endParaRPr kumimoji="1" lang="zh-TW" altLang="en-US"/>
           </a:p>
@@ -3180,8 +3180,8 @@
         </p:nvSpPr>
         <p:spPr>
           <a:xfrm>
-            <a:off x="838200" y="365125"/>
-            <a:ext cx="10515600" cy="1325563"/>
+            <a:off x="838200" y="365126"/>
+            <a:ext cx="10515600" cy="1085988"/>
           </a:xfrm>
           <a:prstGeom prst="rect">
             <a:avLst/>
@@ -3218,8 +3218,8 @@
         </p:nvSpPr>
         <p:spPr>
           <a:xfrm>
-            <a:off x="838200" y="1825625"/>
-            <a:ext cx="10515600" cy="4351338"/>
+            <a:off x="838200" y="1620078"/>
+            <a:ext cx="10515600" cy="4556885"/>
           </a:xfrm>
           <a:prstGeom prst="rect">
             <a:avLst/>
@@ -3308,7 +3308,7 @@
           <a:p>
             <a:fld id="{01AF8313-9347-FA4B-8E7E-62CCBCA813E5}" type="datetime1">
               <a:rPr kumimoji="1" lang="zh-TW" altLang="en-US" smtClean="0"/>
-              <a:t>2022/10/21</a:t>
+              <a:t>2022/10/22</a:t>
             </a:fld>
             <a:endParaRPr kumimoji="1" lang="zh-TW" altLang="en-US"/>
           </a:p>
@@ -3343,18 +3343,20 @@
           <a:bodyPr vert="horz" lIns="91440" tIns="45720" rIns="91440" bIns="45720" rtlCol="0" anchor="ctr"/>
           <a:lstStyle>
             <a:lvl1pPr algn="ctr">
-              <a:defRPr sz="1200">
+              <a:defRPr sz="1200" b="0" i="0">
                 <a:solidFill>
                   <a:schemeClr val="tx1">
                     <a:tint val="75000"/>
                   </a:schemeClr>
                 </a:solidFill>
+                <a:latin typeface="Noto Sans CJK SC DemiLight" panose="020B0400000000000000" pitchFamily="34" charset="-128"/>
+                <a:ea typeface="Noto Sans CJK SC DemiLight" panose="020B0400000000000000" pitchFamily="34" charset="-128"/>
               </a:defRPr>
             </a:lvl1pPr>
           </a:lstStyle>
           <a:p>
             <a:r>
-              <a:rPr kumimoji="1" lang="zh-TW" altLang="en-US"/>
+              <a:rPr kumimoji="1" lang="zh-TW" altLang="en-US" dirty="0"/>
               <a:t>蜥蜴出品</a:t>
             </a:r>
           </a:p>
@@ -3438,9 +3440,9 @@
           <a:spcPct val="0"/>
         </a:spcBef>
         <a:buNone/>
-        <a:defRPr sz="4400" b="1" kern="1200">
+        <a:defRPr sz="3600" b="1" kern="1200">
           <a:solidFill>
-            <a:schemeClr val="tx1"/>
+            <a:srgbClr val="C00000"/>
           </a:solidFill>
           <a:latin typeface="Noto Sans CJK SC Regular" panose="020B0500000000000000" pitchFamily="34" charset="-128"/>
           <a:ea typeface="Noto Sans CJK SC Regular" panose="020B0500000000000000" pitchFamily="34" charset="-128"/>
@@ -3451,17 +3453,20 @@
     <p:bodyStyle>
       <a:lvl1pPr marL="228600" indent="-228600" algn="l" defTabSz="914400" rtl="0" eaLnBrk="1" latinLnBrk="0" hangingPunct="1">
         <a:lnSpc>
-          <a:spcPct val="150000"/>
+          <a:spcPct val="100000"/>
         </a:lnSpc>
         <a:spcBef>
           <a:spcPts val="1000"/>
         </a:spcBef>
+        <a:spcAft>
+          <a:spcPts val="300"/>
+        </a:spcAft>
         <a:buClr>
           <a:srgbClr val="C00000"/>
         </a:buClr>
         <a:buFont typeface="Arial" panose="020B0604020202020204" pitchFamily="34" charset="0"/>
         <a:buChar char="•"/>
-        <a:defRPr sz="2400" kern="1200">
+        <a:defRPr sz="2000" kern="1200">
           <a:solidFill>
             <a:schemeClr val="tx1"/>
           </a:solidFill>
@@ -3472,17 +3477,20 @@
       </a:lvl1pPr>
       <a:lvl2pPr marL="685800" indent="-228600" algn="l" defTabSz="914400" rtl="0" eaLnBrk="1" latinLnBrk="0" hangingPunct="1">
         <a:lnSpc>
-          <a:spcPct val="150000"/>
+          <a:spcPct val="100000"/>
         </a:lnSpc>
         <a:spcBef>
           <a:spcPts val="500"/>
         </a:spcBef>
+        <a:spcAft>
+          <a:spcPts val="300"/>
+        </a:spcAft>
         <a:buClr>
           <a:srgbClr val="C00000"/>
         </a:buClr>
         <a:buFont typeface="Arial" panose="020B0604020202020204" pitchFamily="34" charset="0"/>
         <a:buChar char="•"/>
-        <a:defRPr sz="2400" kern="1200">
+        <a:defRPr sz="2000" kern="1200">
           <a:solidFill>
             <a:schemeClr val="tx1"/>
           </a:solidFill>
@@ -3493,17 +3501,20 @@
       </a:lvl2pPr>
       <a:lvl3pPr marL="1143000" indent="-228600" algn="l" defTabSz="914400" rtl="0" eaLnBrk="1" latinLnBrk="0" hangingPunct="1">
         <a:lnSpc>
-          <a:spcPct val="150000"/>
+          <a:spcPct val="100000"/>
         </a:lnSpc>
         <a:spcBef>
           <a:spcPts val="500"/>
         </a:spcBef>
+        <a:spcAft>
+          <a:spcPts val="300"/>
+        </a:spcAft>
         <a:buClr>
           <a:srgbClr val="C00000"/>
         </a:buClr>
         <a:buFont typeface="Arial" panose="020B0604020202020204" pitchFamily="34" charset="0"/>
         <a:buChar char="•"/>
-        <a:defRPr sz="2400" kern="1200">
+        <a:defRPr sz="2000" kern="1200">
           <a:solidFill>
             <a:schemeClr val="tx1"/>
           </a:solidFill>
@@ -3514,17 +3525,20 @@
       </a:lvl3pPr>
       <a:lvl4pPr marL="1600200" indent="-228600" algn="l" defTabSz="914400" rtl="0" eaLnBrk="1" latinLnBrk="0" hangingPunct="1">
         <a:lnSpc>
-          <a:spcPct val="150000"/>
+          <a:spcPct val="100000"/>
         </a:lnSpc>
         <a:spcBef>
           <a:spcPts val="500"/>
         </a:spcBef>
+        <a:spcAft>
+          <a:spcPts val="300"/>
+        </a:spcAft>
         <a:buClr>
           <a:srgbClr val="C00000"/>
         </a:buClr>
         <a:buFont typeface="Arial" panose="020B0604020202020204" pitchFamily="34" charset="0"/>
         <a:buChar char="•"/>
-        <a:defRPr sz="2400" kern="1200">
+        <a:defRPr sz="2000" kern="1200">
           <a:solidFill>
             <a:schemeClr val="tx1"/>
           </a:solidFill>
@@ -3535,17 +3549,20 @@
       </a:lvl4pPr>
       <a:lvl5pPr marL="2057400" indent="-228600" algn="l" defTabSz="914400" rtl="0" eaLnBrk="1" latinLnBrk="0" hangingPunct="1">
         <a:lnSpc>
-          <a:spcPct val="150000"/>
+          <a:spcPct val="100000"/>
         </a:lnSpc>
         <a:spcBef>
           <a:spcPts val="500"/>
         </a:spcBef>
+        <a:spcAft>
+          <a:spcPts val="300"/>
+        </a:spcAft>
         <a:buClr>
           <a:srgbClr val="C00000"/>
         </a:buClr>
         <a:buFont typeface="Arial" panose="020B0604020202020204" pitchFamily="34" charset="0"/>
         <a:buChar char="•"/>
-        <a:defRPr sz="2400" kern="1200">
+        <a:defRPr sz="2000" kern="1200">
           <a:solidFill>
             <a:schemeClr val="tx1"/>
           </a:solidFill>

--- a/slidetemp.pptx
+++ b/slidetemp.pptx
@@ -2565,8 +2565,8 @@
         </p:nvSpPr>
         <p:spPr>
           <a:xfrm>
-            <a:off x="839788" y="457200"/>
-            <a:ext cx="3932237" cy="1600200"/>
+            <a:off x="839789" y="457200"/>
+            <a:ext cx="3198812" cy="1112838"/>
           </a:xfrm>
         </p:spPr>
         <p:txBody>
@@ -2575,7 +2575,7 @@
           </a:bodyPr>
           <a:lstStyle>
             <a:lvl1pPr>
-              <a:defRPr sz="4000"/>
+              <a:defRPr sz="3200"/>
             </a:lvl1pPr>
           </a:lstStyle>
           <a:p>
@@ -2604,8 +2604,8 @@
         </p:nvSpPr>
         <p:spPr>
           <a:xfrm>
-            <a:off x="5183188" y="457201"/>
-            <a:ext cx="6172200" cy="5403850"/>
+            <a:off x="4154557" y="457201"/>
+            <a:ext cx="7200831" cy="5403850"/>
           </a:xfrm>
         </p:spPr>
         <p:txBody>
@@ -2694,8 +2694,8 @@
         </p:nvSpPr>
         <p:spPr>
           <a:xfrm>
-            <a:off x="839788" y="2673626"/>
-            <a:ext cx="3932237" cy="3195362"/>
+            <a:off x="839789" y="1639957"/>
+            <a:ext cx="3198812" cy="4229031"/>
           </a:xfrm>
         </p:spPr>
         <p:txBody>
@@ -2706,7 +2706,7 @@
             <a:lvl1pPr marL="457200" indent="-457200">
               <a:buFont typeface="Arial" panose="020B0604020202020204" pitchFamily="34" charset="0"/>
               <a:buChar char="•"/>
-              <a:defRPr sz="2800"/>
+              <a:defRPr sz="1800"/>
             </a:lvl1pPr>
             <a:lvl2pPr marL="457200" indent="0">
               <a:buNone/>
@@ -2832,6 +2832,38 @@
               <a:rPr kumimoji="1" lang="zh-TW" altLang="en-US" smtClean="0"/>
               <a:t>‹#›</a:t>
             </a:fld>
+            <a:endParaRPr kumimoji="1" lang="zh-TW" altLang="en-US"/>
+          </a:p>
+        </p:txBody>
+      </p:sp>
+      <p:sp>
+        <p:nvSpPr>
+          <p:cNvPr id="8" name="文字方塊 7">
+            <a:extLst>
+              <a:ext uri="{FF2B5EF4-FFF2-40B4-BE49-F238E27FC236}">
+                <a16:creationId xmlns:a16="http://schemas.microsoft.com/office/drawing/2014/main" id="{CDEA1EB3-BE2A-25EC-20BE-A78335015F3C}"/>
+              </a:ext>
+            </a:extLst>
+          </p:cNvPr>
+          <p:cNvSpPr txBox="1"/>
+          <p:nvPr userDrawn="1"/>
+        </p:nvSpPr>
+        <p:spPr>
+          <a:xfrm>
+            <a:off x="2842591" y="3289852"/>
+            <a:ext cx="184731" cy="369332"/>
+          </a:xfrm>
+          <a:prstGeom prst="rect">
+            <a:avLst/>
+          </a:prstGeom>
+          <a:noFill/>
+        </p:spPr>
+        <p:txBody>
+          <a:bodyPr wrap="none" rtlCol="0">
+            <a:spAutoFit/>
+          </a:bodyPr>
+          <a:lstStyle/>
+          <a:p>
             <a:endParaRPr kumimoji="1" lang="zh-TW" altLang="en-US"/>
           </a:p>
         </p:txBody>

--- a/slidetemp.pptx
+++ b/slidetemp.pptx
@@ -197,7 +197,7 @@
           <a:p>
             <a:fld id="{8B2C1FF7-3CD2-7848-AA02-AAC2E9ACC631}" type="datetimeFigureOut">
               <a:rPr kumimoji="1" lang="zh-TW" altLang="en-US" smtClean="0"/>
-              <a:t>2022/10/22</a:t>
+              <a:t>2022/10/23</a:t>
             </a:fld>
             <a:endParaRPr kumimoji="1" lang="zh-TW" altLang="en-US"/>
           </a:p>
@@ -511,6 +511,7 @@
                 <a:solidFill>
                   <a:srgbClr val="C00000"/>
                 </a:solidFill>
+                <a:latin typeface="Helvetica" pitchFamily="2" charset="0"/>
               </a:defRPr>
             </a:lvl1pPr>
           </a:lstStyle>
@@ -586,7 +587,7 @@
           </a:lstStyle>
           <a:p>
             <a:r>
-              <a:rPr kumimoji="1" lang="zh-TW" altLang="en-US"/>
+              <a:rPr kumimoji="1" lang="zh-TW" altLang="en-US" dirty="0"/>
               <a:t>按一下以編輯母片子標題樣式</a:t>
             </a:r>
           </a:p>
@@ -615,7 +616,7 @@
           <a:p>
             <a:fld id="{6B6E8288-18DC-6748-8F07-FCE7E33E0387}" type="datetime1">
               <a:rPr kumimoji="1" lang="zh-TW" altLang="en-US" smtClean="0"/>
-              <a:t>2022/10/22</a:t>
+              <a:t>2022/10/23</a:t>
             </a:fld>
             <a:endParaRPr kumimoji="1" lang="zh-TW" altLang="en-US"/>
           </a:p>
@@ -821,7 +822,7 @@
           <a:p>
             <a:fld id="{0E590ADA-43E4-064B-9A8D-5A88906B8E29}" type="datetime1">
               <a:rPr kumimoji="1" lang="zh-TW" altLang="en-US" smtClean="0"/>
-              <a:t>2022/10/22</a:t>
+              <a:t>2022/10/23</a:t>
             </a:fld>
             <a:endParaRPr kumimoji="1" lang="zh-TW" altLang="en-US"/>
           </a:p>
@@ -1032,7 +1033,7 @@
           <a:p>
             <a:fld id="{FBDCD0F0-79F6-E345-907A-13DAB23A575A}" type="datetime1">
               <a:rPr kumimoji="1" lang="zh-TW" altLang="en-US" smtClean="0"/>
-              <a:t>2022/10/22</a:t>
+              <a:t>2022/10/23</a:t>
             </a:fld>
             <a:endParaRPr kumimoji="1" lang="zh-TW" altLang="en-US"/>
           </a:p>
@@ -1172,7 +1173,33 @@
         <p:spPr/>
         <p:txBody>
           <a:bodyPr/>
-          <a:lstStyle/>
+          <a:lstStyle>
+            <a:lvl1pPr>
+              <a:defRPr>
+                <a:latin typeface="Helvetica" pitchFamily="2" charset="0"/>
+              </a:defRPr>
+            </a:lvl1pPr>
+            <a:lvl2pPr>
+              <a:defRPr>
+                <a:latin typeface="Helvetica" pitchFamily="2" charset="0"/>
+              </a:defRPr>
+            </a:lvl2pPr>
+            <a:lvl3pPr>
+              <a:defRPr>
+                <a:latin typeface="Helvetica" pitchFamily="2" charset="0"/>
+              </a:defRPr>
+            </a:lvl3pPr>
+            <a:lvl4pPr>
+              <a:defRPr>
+                <a:latin typeface="Helvetica" pitchFamily="2" charset="0"/>
+              </a:defRPr>
+            </a:lvl4pPr>
+            <a:lvl5pPr>
+              <a:defRPr>
+                <a:latin typeface="Helvetica" pitchFamily="2" charset="0"/>
+              </a:defRPr>
+            </a:lvl5pPr>
+          </a:lstStyle>
           <a:p>
             <a:pPr lvl="0"/>
             <a:r>
@@ -1233,7 +1260,7 @@
           <a:p>
             <a:fld id="{A0215A02-CC4D-C447-92DE-E9526678BE8F}" type="datetime1">
               <a:rPr kumimoji="1" lang="zh-TW" altLang="en-US" smtClean="0"/>
-              <a:t>2022/10/22</a:t>
+              <a:t>2022/10/23</a:t>
             </a:fld>
             <a:endParaRPr kumimoji="1" lang="zh-TW" altLang="en-US"/>
           </a:p>
@@ -1511,7 +1538,7 @@
           <a:p>
             <a:fld id="{7E85531B-CCE9-E041-8166-675B4B46487C}" type="datetime1">
               <a:rPr kumimoji="1" lang="zh-TW" altLang="en-US" smtClean="0"/>
-              <a:t>2022/10/22</a:t>
+              <a:t>2022/10/23</a:t>
             </a:fld>
             <a:endParaRPr kumimoji="1" lang="zh-TW" altLang="en-US"/>
           </a:p>
@@ -1779,7 +1806,7 @@
           <a:p>
             <a:fld id="{10E1F5DC-AE57-884A-8A7B-6146B7C0EFB4}" type="datetime1">
               <a:rPr kumimoji="1" lang="zh-TW" altLang="en-US" smtClean="0"/>
-              <a:t>2022/10/22</a:t>
+              <a:t>2022/10/23</a:t>
             </a:fld>
             <a:endParaRPr kumimoji="1" lang="zh-TW" altLang="en-US"/>
           </a:p>
@@ -2194,7 +2221,7 @@
           <a:p>
             <a:fld id="{587334C5-09FA-594C-95E1-F7D858B8824A}" type="datetime1">
               <a:rPr kumimoji="1" lang="zh-TW" altLang="en-US" smtClean="0"/>
-              <a:t>2022/10/22</a:t>
+              <a:t>2022/10/23</a:t>
             </a:fld>
             <a:endParaRPr kumimoji="1" lang="zh-TW" altLang="en-US"/>
           </a:p>
@@ -2338,7 +2365,7 @@
           <a:p>
             <a:fld id="{5F45E731-440C-5242-9E41-A519B8073901}" type="datetime1">
               <a:rPr kumimoji="1" lang="zh-TW" altLang="en-US" smtClean="0"/>
-              <a:t>2022/10/22</a:t>
+              <a:t>2022/10/23</a:t>
             </a:fld>
             <a:endParaRPr kumimoji="1" lang="zh-TW" altLang="en-US"/>
           </a:p>
@@ -2454,7 +2481,7 @@
           <a:p>
             <a:fld id="{F3396B5F-4602-D844-85E9-A35B87FB848E}" type="datetime1">
               <a:rPr kumimoji="1" lang="zh-TW" altLang="en-US" smtClean="0"/>
-              <a:t>2022/10/22</a:t>
+              <a:t>2022/10/23</a:t>
             </a:fld>
             <a:endParaRPr kumimoji="1" lang="zh-TW" altLang="en-US"/>
           </a:p>
@@ -2773,7 +2800,7 @@
           <a:p>
             <a:fld id="{0ED98EBB-8707-6242-92E0-8DE05B76A49C}" type="datetime1">
               <a:rPr kumimoji="1" lang="zh-TW" altLang="en-US" smtClean="0"/>
-              <a:t>2022/10/22</a:t>
+              <a:t>2022/10/23</a:t>
             </a:fld>
             <a:endParaRPr kumimoji="1" lang="zh-TW" altLang="en-US"/>
           </a:p>
@@ -3096,7 +3123,7 @@
           <a:p>
             <a:fld id="{20FE636C-0ADD-4D43-84F1-CB39BD3070E6}" type="datetime1">
               <a:rPr kumimoji="1" lang="zh-TW" altLang="en-US" smtClean="0"/>
-              <a:t>2022/10/22</a:t>
+              <a:t>2022/10/23</a:t>
             </a:fld>
             <a:endParaRPr kumimoji="1" lang="zh-TW" altLang="en-US"/>
           </a:p>
@@ -3340,7 +3367,7 @@
           <a:p>
             <a:fld id="{01AF8313-9347-FA4B-8E7E-62CCBCA813E5}" type="datetime1">
               <a:rPr kumimoji="1" lang="zh-TW" altLang="en-US" smtClean="0"/>
-              <a:t>2022/10/22</a:t>
+              <a:t>2022/10/23</a:t>
             </a:fld>
             <a:endParaRPr kumimoji="1" lang="zh-TW" altLang="en-US"/>
           </a:p>
@@ -3502,7 +3529,7 @@
           <a:solidFill>
             <a:schemeClr val="tx1"/>
           </a:solidFill>
-          <a:latin typeface="Noto Sans CJK SC Regular" panose="020B0500000000000000" pitchFamily="34" charset="-128"/>
+          <a:latin typeface="Helvetica" pitchFamily="2" charset="0"/>
           <a:ea typeface="Noto Sans CJK SC Regular" panose="020B0500000000000000" pitchFamily="34" charset="-128"/>
           <a:cs typeface="+mn-cs"/>
         </a:defRPr>
@@ -3526,7 +3553,7 @@
           <a:solidFill>
             <a:schemeClr val="tx1"/>
           </a:solidFill>
-          <a:latin typeface="Noto Sans CJK SC Regular" panose="020B0500000000000000" pitchFamily="34" charset="-128"/>
+          <a:latin typeface="Helvetica" pitchFamily="2" charset="0"/>
           <a:ea typeface="Noto Sans CJK SC Regular" panose="020B0500000000000000" pitchFamily="34" charset="-128"/>
           <a:cs typeface="+mn-cs"/>
         </a:defRPr>
@@ -3550,7 +3577,7 @@
           <a:solidFill>
             <a:schemeClr val="tx1"/>
           </a:solidFill>
-          <a:latin typeface="Noto Sans CJK SC Regular" panose="020B0500000000000000" pitchFamily="34" charset="-128"/>
+          <a:latin typeface="Helvetica" pitchFamily="2" charset="0"/>
           <a:ea typeface="Noto Sans CJK SC Regular" panose="020B0500000000000000" pitchFamily="34" charset="-128"/>
           <a:cs typeface="+mn-cs"/>
         </a:defRPr>
@@ -3574,7 +3601,7 @@
           <a:solidFill>
             <a:schemeClr val="tx1"/>
           </a:solidFill>
-          <a:latin typeface="Noto Sans CJK SC Regular" panose="020B0500000000000000" pitchFamily="34" charset="-128"/>
+          <a:latin typeface="Helvetica" pitchFamily="2" charset="0"/>
           <a:ea typeface="Noto Sans CJK SC Regular" panose="020B0500000000000000" pitchFamily="34" charset="-128"/>
           <a:cs typeface="+mn-cs"/>
         </a:defRPr>
@@ -3598,7 +3625,7 @@
           <a:solidFill>
             <a:schemeClr val="tx1"/>
           </a:solidFill>
-          <a:latin typeface="Noto Sans CJK SC Regular" panose="020B0500000000000000" pitchFamily="34" charset="-128"/>
+          <a:latin typeface="Helvetica" pitchFamily="2" charset="0"/>
           <a:ea typeface="Noto Sans CJK SC Regular" panose="020B0500000000000000" pitchFamily="34" charset="-128"/>
           <a:cs typeface="+mn-cs"/>
         </a:defRPr>

--- a/slidetemp.pptx
+++ b/slidetemp.pptx
@@ -197,7 +197,7 @@
           <a:p>
             <a:fld id="{8B2C1FF7-3CD2-7848-AA02-AAC2E9ACC631}" type="datetimeFigureOut">
               <a:rPr kumimoji="1" lang="zh-TW" altLang="en-US" smtClean="0"/>
-              <a:t>2022/10/23</a:t>
+              <a:t>2022/10/25</a:t>
             </a:fld>
             <a:endParaRPr kumimoji="1" lang="zh-TW" altLang="en-US"/>
           </a:p>
@@ -616,7 +616,7 @@
           <a:p>
             <a:fld id="{6B6E8288-18DC-6748-8F07-FCE7E33E0387}" type="datetime1">
               <a:rPr kumimoji="1" lang="zh-TW" altLang="en-US" smtClean="0"/>
-              <a:t>2022/10/23</a:t>
+              <a:t>2022/10/25</a:t>
             </a:fld>
             <a:endParaRPr kumimoji="1" lang="zh-TW" altLang="en-US"/>
           </a:p>
@@ -641,12 +641,19 @@
         <p:spPr/>
         <p:txBody>
           <a:bodyPr/>
-          <a:lstStyle/>
-          <a:p>
-            <a:r>
-              <a:rPr kumimoji="1" lang="zh-TW" altLang="en-US" dirty="0"/>
-              <a:t>蜥蜴出品</a:t>
-            </a:r>
+          <a:lstStyle>
+            <a:lvl1pPr>
+              <a:defRPr>
+                <a:latin typeface="Helvetica" pitchFamily="2" charset="0"/>
+              </a:defRPr>
+            </a:lvl1pPr>
+          </a:lstStyle>
+          <a:p>
+            <a:r>
+              <a:rPr kumimoji="1" lang="en-US" altLang="zh-TW" dirty="0"/>
+              <a:t>Lizard Production</a:t>
+            </a:r>
+            <a:endParaRPr kumimoji="1" lang="zh-TW" altLang="en-US" dirty="0"/>
           </a:p>
         </p:txBody>
       </p:sp>
@@ -822,7 +829,7 @@
           <a:p>
             <a:fld id="{0E590ADA-43E4-064B-9A8D-5A88906B8E29}" type="datetime1">
               <a:rPr kumimoji="1" lang="zh-TW" altLang="en-US" smtClean="0"/>
-              <a:t>2022/10/23</a:t>
+              <a:t>2022/10/25</a:t>
             </a:fld>
             <a:endParaRPr kumimoji="1" lang="zh-TW" altLang="en-US"/>
           </a:p>
@@ -1033,7 +1040,7 @@
           <a:p>
             <a:fld id="{FBDCD0F0-79F6-E345-907A-13DAB23A575A}" type="datetime1">
               <a:rPr kumimoji="1" lang="zh-TW" altLang="en-US" smtClean="0"/>
-              <a:t>2022/10/23</a:t>
+              <a:t>2022/10/25</a:t>
             </a:fld>
             <a:endParaRPr kumimoji="1" lang="zh-TW" altLang="en-US"/>
           </a:p>
@@ -1260,7 +1267,7 @@
           <a:p>
             <a:fld id="{A0215A02-CC4D-C447-92DE-E9526678BE8F}" type="datetime1">
               <a:rPr kumimoji="1" lang="zh-TW" altLang="en-US" smtClean="0"/>
-              <a:t>2022/10/23</a:t>
+              <a:t>2022/10/25</a:t>
             </a:fld>
             <a:endParaRPr kumimoji="1" lang="zh-TW" altLang="en-US"/>
           </a:p>
@@ -1538,7 +1545,7 @@
           <a:p>
             <a:fld id="{7E85531B-CCE9-E041-8166-675B4B46487C}" type="datetime1">
               <a:rPr kumimoji="1" lang="zh-TW" altLang="en-US" smtClean="0"/>
-              <a:t>2022/10/23</a:t>
+              <a:t>2022/10/25</a:t>
             </a:fld>
             <a:endParaRPr kumimoji="1" lang="zh-TW" altLang="en-US"/>
           </a:p>
@@ -1806,7 +1813,7 @@
           <a:p>
             <a:fld id="{10E1F5DC-AE57-884A-8A7B-6146B7C0EFB4}" type="datetime1">
               <a:rPr kumimoji="1" lang="zh-TW" altLang="en-US" smtClean="0"/>
-              <a:t>2022/10/23</a:t>
+              <a:t>2022/10/25</a:t>
             </a:fld>
             <a:endParaRPr kumimoji="1" lang="zh-TW" altLang="en-US"/>
           </a:p>
@@ -2221,7 +2228,7 @@
           <a:p>
             <a:fld id="{587334C5-09FA-594C-95E1-F7D858B8824A}" type="datetime1">
               <a:rPr kumimoji="1" lang="zh-TW" altLang="en-US" smtClean="0"/>
-              <a:t>2022/10/23</a:t>
+              <a:t>2022/10/25</a:t>
             </a:fld>
             <a:endParaRPr kumimoji="1" lang="zh-TW" altLang="en-US"/>
           </a:p>
@@ -2365,7 +2372,7 @@
           <a:p>
             <a:fld id="{5F45E731-440C-5242-9E41-A519B8073901}" type="datetime1">
               <a:rPr kumimoji="1" lang="zh-TW" altLang="en-US" smtClean="0"/>
-              <a:t>2022/10/23</a:t>
+              <a:t>2022/10/25</a:t>
             </a:fld>
             <a:endParaRPr kumimoji="1" lang="zh-TW" altLang="en-US"/>
           </a:p>
@@ -2481,7 +2488,7 @@
           <a:p>
             <a:fld id="{F3396B5F-4602-D844-85E9-A35B87FB848E}" type="datetime1">
               <a:rPr kumimoji="1" lang="zh-TW" altLang="en-US" smtClean="0"/>
-              <a:t>2022/10/23</a:t>
+              <a:t>2022/10/25</a:t>
             </a:fld>
             <a:endParaRPr kumimoji="1" lang="zh-TW" altLang="en-US"/>
           </a:p>
@@ -2800,7 +2807,7 @@
           <a:p>
             <a:fld id="{0ED98EBB-8707-6242-92E0-8DE05B76A49C}" type="datetime1">
               <a:rPr kumimoji="1" lang="zh-TW" altLang="en-US" smtClean="0"/>
-              <a:t>2022/10/23</a:t>
+              <a:t>2022/10/25</a:t>
             </a:fld>
             <a:endParaRPr kumimoji="1" lang="zh-TW" altLang="en-US"/>
           </a:p>
@@ -3123,7 +3130,7 @@
           <a:p>
             <a:fld id="{20FE636C-0ADD-4D43-84F1-CB39BD3070E6}" type="datetime1">
               <a:rPr kumimoji="1" lang="zh-TW" altLang="en-US" smtClean="0"/>
-              <a:t>2022/10/23</a:t>
+              <a:t>2022/10/25</a:t>
             </a:fld>
             <a:endParaRPr kumimoji="1" lang="zh-TW" altLang="en-US"/>
           </a:p>
@@ -3367,7 +3374,7 @@
           <a:p>
             <a:fld id="{01AF8313-9347-FA4B-8E7E-62CCBCA813E5}" type="datetime1">
               <a:rPr kumimoji="1" lang="zh-TW" altLang="en-US" smtClean="0"/>
-              <a:t>2022/10/23</a:t>
+              <a:t>2022/10/25</a:t>
             </a:fld>
             <a:endParaRPr kumimoji="1" lang="zh-TW" altLang="en-US"/>
           </a:p>
@@ -3415,9 +3422,10 @@
           </a:lstStyle>
           <a:p>
             <a:r>
-              <a:rPr kumimoji="1" lang="zh-TW" altLang="en-US" dirty="0"/>
-              <a:t>蜥蜴出品</a:t>
-            </a:r>
+              <a:rPr kumimoji="1" lang="en-US" altLang="zh-TW" dirty="0"/>
+              <a:t>Lizard Production</a:t>
+            </a:r>
+            <a:endParaRPr kumimoji="1" lang="zh-TW" altLang="en-US" dirty="0"/>
           </a:p>
         </p:txBody>
       </p:sp>
@@ -3503,7 +3511,7 @@
           <a:solidFill>
             <a:srgbClr val="C00000"/>
           </a:solidFill>
-          <a:latin typeface="Noto Sans CJK SC Regular" panose="020B0500000000000000" pitchFamily="34" charset="-128"/>
+          <a:latin typeface="Helvetica" pitchFamily="2" charset="0"/>
           <a:ea typeface="Noto Sans CJK SC Regular" panose="020B0500000000000000" pitchFamily="34" charset="-128"/>
           <a:cs typeface="Arial" panose="020B0604020202020204" pitchFamily="34" charset="0"/>
         </a:defRPr>

--- a/slidetemp.pptx
+++ b/slidetemp.pptx
@@ -614,7 +614,7 @@
           <a:bodyPr/>
           <a:lstStyle/>
           <a:p>
-            <a:fld id="{6B6E8288-18DC-6748-8F07-FCE7E33E0387}" type="datetime1">
+            <a:fld id="{DC4DB12D-F31E-1648-983D-1671473BED79}" type="datetime1">
               <a:rPr kumimoji="1" lang="zh-TW" altLang="en-US" smtClean="0"/>
               <a:t>2022/10/25</a:t>
             </a:fld>
@@ -827,7 +827,7 @@
           <a:bodyPr/>
           <a:lstStyle/>
           <a:p>
-            <a:fld id="{0E590ADA-43E4-064B-9A8D-5A88906B8E29}" type="datetime1">
+            <a:fld id="{1FB40DEF-B817-DD4C-A7DB-4FF0EFA6B70F}" type="datetime1">
               <a:rPr kumimoji="1" lang="zh-TW" altLang="en-US" smtClean="0"/>
               <a:t>2022/10/25</a:t>
             </a:fld>
@@ -857,9 +857,10 @@
           <a:lstStyle/>
           <a:p>
             <a:r>
-              <a:rPr kumimoji="1" lang="zh-TW" altLang="en-US"/>
-              <a:t>蜥蜴出品</a:t>
-            </a:r>
+              <a:rPr kumimoji="1" lang="en" altLang="zh-TW"/>
+              <a:t>Lizard Production</a:t>
+            </a:r>
+            <a:endParaRPr kumimoji="1" lang="zh-TW" altLang="en-US"/>
           </a:p>
         </p:txBody>
       </p:sp>
@@ -1038,7 +1039,7 @@
           <a:bodyPr/>
           <a:lstStyle/>
           <a:p>
-            <a:fld id="{FBDCD0F0-79F6-E345-907A-13DAB23A575A}" type="datetime1">
+            <a:fld id="{8B6C4F5F-EA14-9042-B8B9-0DE596BBAEB0}" type="datetime1">
               <a:rPr kumimoji="1" lang="zh-TW" altLang="en-US" smtClean="0"/>
               <a:t>2022/10/25</a:t>
             </a:fld>
@@ -1068,9 +1069,10 @@
           <a:lstStyle/>
           <a:p>
             <a:r>
-              <a:rPr kumimoji="1" lang="zh-TW" altLang="en-US"/>
-              <a:t>蜥蜴出品</a:t>
-            </a:r>
+              <a:rPr kumimoji="1" lang="en" altLang="zh-TW"/>
+              <a:t>Lizard Production</a:t>
+            </a:r>
+            <a:endParaRPr kumimoji="1" lang="zh-TW" altLang="en-US"/>
           </a:p>
         </p:txBody>
       </p:sp>
@@ -1265,7 +1267,7 @@
           <a:bodyPr/>
           <a:lstStyle/>
           <a:p>
-            <a:fld id="{A0215A02-CC4D-C447-92DE-E9526678BE8F}" type="datetime1">
+            <a:fld id="{811DD274-CC70-2A4B-BA6B-4BF9DF4DF6C8}" type="datetime1">
               <a:rPr kumimoji="1" lang="zh-TW" altLang="en-US" smtClean="0"/>
               <a:t>2022/10/25</a:t>
             </a:fld>
@@ -1295,9 +1297,10 @@
           <a:lstStyle/>
           <a:p>
             <a:r>
-              <a:rPr kumimoji="1" lang="zh-TW" altLang="en-US"/>
-              <a:t>蜥蜴出品</a:t>
-            </a:r>
+              <a:rPr kumimoji="1" lang="en" altLang="zh-TW"/>
+              <a:t>Lizard Production</a:t>
+            </a:r>
+            <a:endParaRPr kumimoji="1" lang="zh-TW" altLang="en-US"/>
           </a:p>
         </p:txBody>
       </p:sp>
@@ -1543,7 +1546,7 @@
           <a:bodyPr/>
           <a:lstStyle/>
           <a:p>
-            <a:fld id="{7E85531B-CCE9-E041-8166-675B4B46487C}" type="datetime1">
+            <a:fld id="{ECA74C10-FA84-8D40-B7F4-A970BFFDC87C}" type="datetime1">
               <a:rPr kumimoji="1" lang="zh-TW" altLang="en-US" smtClean="0"/>
               <a:t>2022/10/25</a:t>
             </a:fld>
@@ -1573,9 +1576,10 @@
           <a:lstStyle/>
           <a:p>
             <a:r>
-              <a:rPr kumimoji="1" lang="zh-TW" altLang="en-US"/>
-              <a:t>蜥蜴出品</a:t>
-            </a:r>
+              <a:rPr kumimoji="1" lang="en" altLang="zh-TW"/>
+              <a:t>Lizard Production</a:t>
+            </a:r>
+            <a:endParaRPr kumimoji="1" lang="zh-TW" altLang="en-US"/>
           </a:p>
         </p:txBody>
       </p:sp>
@@ -1811,7 +1815,7 @@
           <a:bodyPr/>
           <a:lstStyle/>
           <a:p>
-            <a:fld id="{10E1F5DC-AE57-884A-8A7B-6146B7C0EFB4}" type="datetime1">
+            <a:fld id="{B2043BB3-903B-2B44-B757-F3729E8597C3}" type="datetime1">
               <a:rPr kumimoji="1" lang="zh-TW" altLang="en-US" smtClean="0"/>
               <a:t>2022/10/25</a:t>
             </a:fld>
@@ -1841,9 +1845,10 @@
           <a:lstStyle/>
           <a:p>
             <a:r>
-              <a:rPr kumimoji="1" lang="zh-TW" altLang="en-US"/>
-              <a:t>蜥蜴出品</a:t>
-            </a:r>
+              <a:rPr kumimoji="1" lang="en" altLang="zh-TW"/>
+              <a:t>Lizard Production</a:t>
+            </a:r>
+            <a:endParaRPr kumimoji="1" lang="zh-TW" altLang="en-US"/>
           </a:p>
         </p:txBody>
       </p:sp>
@@ -2226,7 +2231,7 @@
           <a:bodyPr/>
           <a:lstStyle/>
           <a:p>
-            <a:fld id="{587334C5-09FA-594C-95E1-F7D858B8824A}" type="datetime1">
+            <a:fld id="{EA269595-D5F2-C542-B77E-3781B94FC782}" type="datetime1">
               <a:rPr kumimoji="1" lang="zh-TW" altLang="en-US" smtClean="0"/>
               <a:t>2022/10/25</a:t>
             </a:fld>
@@ -2256,9 +2261,10 @@
           <a:lstStyle/>
           <a:p>
             <a:r>
-              <a:rPr kumimoji="1" lang="zh-TW" altLang="en-US"/>
-              <a:t>蜥蜴出品</a:t>
-            </a:r>
+              <a:rPr kumimoji="1" lang="en" altLang="zh-TW"/>
+              <a:t>Lizard Production</a:t>
+            </a:r>
+            <a:endParaRPr kumimoji="1" lang="zh-TW" altLang="en-US"/>
           </a:p>
         </p:txBody>
       </p:sp>
@@ -2370,7 +2376,7 @@
           <a:bodyPr/>
           <a:lstStyle/>
           <a:p>
-            <a:fld id="{5F45E731-440C-5242-9E41-A519B8073901}" type="datetime1">
+            <a:fld id="{D7DA85EB-3EB8-BC4A-B548-375BFA09CCA4}" type="datetime1">
               <a:rPr kumimoji="1" lang="zh-TW" altLang="en-US" smtClean="0"/>
               <a:t>2022/10/25</a:t>
             </a:fld>
@@ -2400,9 +2406,10 @@
           <a:lstStyle/>
           <a:p>
             <a:r>
-              <a:rPr kumimoji="1" lang="zh-TW" altLang="en-US"/>
-              <a:t>蜥蜴出品</a:t>
-            </a:r>
+              <a:rPr kumimoji="1" lang="en" altLang="zh-TW"/>
+              <a:t>Lizard Production</a:t>
+            </a:r>
+            <a:endParaRPr kumimoji="1" lang="zh-TW" altLang="en-US"/>
           </a:p>
         </p:txBody>
       </p:sp>
@@ -2486,7 +2493,7 @@
           <a:bodyPr/>
           <a:lstStyle/>
           <a:p>
-            <a:fld id="{F3396B5F-4602-D844-85E9-A35B87FB848E}" type="datetime1">
+            <a:fld id="{754FAF35-0624-1E4F-ADBA-854E95FD5A4C}" type="datetime1">
               <a:rPr kumimoji="1" lang="zh-TW" altLang="en-US" smtClean="0"/>
               <a:t>2022/10/25</a:t>
             </a:fld>
@@ -2516,9 +2523,10 @@
           <a:lstStyle/>
           <a:p>
             <a:r>
-              <a:rPr kumimoji="1" lang="zh-TW" altLang="en-US"/>
-              <a:t>蜥蜴出品</a:t>
-            </a:r>
+              <a:rPr kumimoji="1" lang="en" altLang="zh-TW"/>
+              <a:t>Lizard Production</a:t>
+            </a:r>
+            <a:endParaRPr kumimoji="1" lang="zh-TW" altLang="en-US"/>
           </a:p>
         </p:txBody>
       </p:sp>
@@ -2805,7 +2813,7 @@
           <a:bodyPr/>
           <a:lstStyle/>
           <a:p>
-            <a:fld id="{0ED98EBB-8707-6242-92E0-8DE05B76A49C}" type="datetime1">
+            <a:fld id="{7EEF2D2C-B4C6-F24F-9859-2E378FA48287}" type="datetime1">
               <a:rPr kumimoji="1" lang="zh-TW" altLang="en-US" smtClean="0"/>
               <a:t>2022/10/25</a:t>
             </a:fld>
@@ -2835,9 +2843,10 @@
           <a:lstStyle/>
           <a:p>
             <a:r>
-              <a:rPr kumimoji="1" lang="zh-TW" altLang="en-US"/>
-              <a:t>蜥蜴出品</a:t>
-            </a:r>
+              <a:rPr kumimoji="1" lang="en" altLang="zh-TW"/>
+              <a:t>Lizard Production</a:t>
+            </a:r>
+            <a:endParaRPr kumimoji="1" lang="zh-TW" altLang="en-US"/>
           </a:p>
         </p:txBody>
       </p:sp>
@@ -3128,7 +3137,7 @@
           <a:bodyPr/>
           <a:lstStyle/>
           <a:p>
-            <a:fld id="{20FE636C-0ADD-4D43-84F1-CB39BD3070E6}" type="datetime1">
+            <a:fld id="{C138C470-4BF6-B049-938D-FA3E5F294A69}" type="datetime1">
               <a:rPr kumimoji="1" lang="zh-TW" altLang="en-US" smtClean="0"/>
               <a:t>2022/10/25</a:t>
             </a:fld>
@@ -3158,9 +3167,10 @@
           <a:lstStyle/>
           <a:p>
             <a:r>
-              <a:rPr kumimoji="1" lang="zh-TW" altLang="en-US"/>
-              <a:t>蜥蜴出品</a:t>
-            </a:r>
+              <a:rPr kumimoji="1" lang="en" altLang="zh-TW"/>
+              <a:t>Lizard Production</a:t>
+            </a:r>
+            <a:endParaRPr kumimoji="1" lang="zh-TW" altLang="en-US"/>
           </a:p>
         </p:txBody>
       </p:sp>
@@ -3372,7 +3382,7 @@
             </a:lvl1pPr>
           </a:lstStyle>
           <a:p>
-            <a:fld id="{01AF8313-9347-FA4B-8E7E-62CCBCA813E5}" type="datetime1">
+            <a:fld id="{6B021ED4-7DA7-CB4B-B8E5-39B8B9F86DAE}" type="datetime1">
               <a:rPr kumimoji="1" lang="zh-TW" altLang="en-US" smtClean="0"/>
               <a:t>2022/10/25</a:t>
             </a:fld>
@@ -3496,7 +3506,7 @@
     <p:sldLayoutId id="2147483658" r:id="rId10"/>
     <p:sldLayoutId id="2147483659" r:id="rId11"/>
   </p:sldLayoutIdLst>
-  <p:hf hdr="0" dt="0"/>
+  <p:hf sldNum="0" hdr="0" dt="0"/>
   <p:txStyles>
     <p:titleStyle>
       <a:lvl1pPr algn="l" defTabSz="914400" rtl="0" eaLnBrk="1" latinLnBrk="0" hangingPunct="1">
@@ -3533,7 +3543,7 @@
         </a:buClr>
         <a:buFont typeface="Arial" panose="020B0604020202020204" pitchFamily="34" charset="0"/>
         <a:buChar char="•"/>
-        <a:defRPr sz="2000" kern="1200">
+        <a:defRPr sz="2400" kern="1200">
           <a:solidFill>
             <a:schemeClr val="tx1"/>
           </a:solidFill>
@@ -3557,7 +3567,7 @@
         </a:buClr>
         <a:buFont typeface="Arial" panose="020B0604020202020204" pitchFamily="34" charset="0"/>
         <a:buChar char="•"/>
-        <a:defRPr sz="2000" kern="1200">
+        <a:defRPr sz="2400" kern="1200">
           <a:solidFill>
             <a:schemeClr val="tx1"/>
           </a:solidFill>
@@ -3581,7 +3591,7 @@
         </a:buClr>
         <a:buFont typeface="Arial" panose="020B0604020202020204" pitchFamily="34" charset="0"/>
         <a:buChar char="•"/>
-        <a:defRPr sz="2000" kern="1200">
+        <a:defRPr sz="2400" kern="1200">
           <a:solidFill>
             <a:schemeClr val="tx1"/>
           </a:solidFill>
@@ -3605,7 +3615,7 @@
         </a:buClr>
         <a:buFont typeface="Arial" panose="020B0604020202020204" pitchFamily="34" charset="0"/>
         <a:buChar char="•"/>
-        <a:defRPr sz="2000" kern="1200">
+        <a:defRPr sz="2400" kern="1200">
           <a:solidFill>
             <a:schemeClr val="tx1"/>
           </a:solidFill>
@@ -3629,7 +3639,7 @@
         </a:buClr>
         <a:buFont typeface="Arial" panose="020B0604020202020204" pitchFamily="34" charset="0"/>
         <a:buChar char="•"/>
-        <a:defRPr sz="2000" kern="1200">
+        <a:defRPr sz="2400" kern="1200">
           <a:solidFill>
             <a:schemeClr val="tx1"/>
           </a:solidFill>

--- a/slidetemp.pptx
+++ b/slidetemp.pptx
@@ -614,7 +614,7 @@
           <a:bodyPr/>
           <a:lstStyle/>
           <a:p>
-            <a:fld id="{DC4DB12D-F31E-1648-983D-1671473BED79}" type="datetime1">
+            <a:fld id="{CCA3BCEC-E0A8-DC4D-92CF-189A5D9CE8A0}" type="datetime1">
               <a:rPr kumimoji="1" lang="zh-TW" altLang="en-US" smtClean="0"/>
               <a:t>2022/10/25</a:t>
             </a:fld>
@@ -827,7 +827,7 @@
           <a:bodyPr/>
           <a:lstStyle/>
           <a:p>
-            <a:fld id="{1FB40DEF-B817-DD4C-A7DB-4FF0EFA6B70F}" type="datetime1">
+            <a:fld id="{48072747-81D0-BA4D-B222-344798699909}" type="datetime1">
               <a:rPr kumimoji="1" lang="zh-TW" altLang="en-US" smtClean="0"/>
               <a:t>2022/10/25</a:t>
             </a:fld>
@@ -1039,7 +1039,7 @@
           <a:bodyPr/>
           <a:lstStyle/>
           <a:p>
-            <a:fld id="{8B6C4F5F-EA14-9042-B8B9-0DE596BBAEB0}" type="datetime1">
+            <a:fld id="{E511C100-4250-D748-8511-1E3AD62F69F9}" type="datetime1">
               <a:rPr kumimoji="1" lang="zh-TW" altLang="en-US" smtClean="0"/>
               <a:t>2022/10/25</a:t>
             </a:fld>
@@ -1267,7 +1267,7 @@
           <a:bodyPr/>
           <a:lstStyle/>
           <a:p>
-            <a:fld id="{811DD274-CC70-2A4B-BA6B-4BF9DF4DF6C8}" type="datetime1">
+            <a:fld id="{E954B807-27C8-AB44-9BF2-5A4736229AAB}" type="datetime1">
               <a:rPr kumimoji="1" lang="zh-TW" altLang="en-US" smtClean="0"/>
               <a:t>2022/10/25</a:t>
             </a:fld>
@@ -1546,7 +1546,7 @@
           <a:bodyPr/>
           <a:lstStyle/>
           <a:p>
-            <a:fld id="{ECA74C10-FA84-8D40-B7F4-A970BFFDC87C}" type="datetime1">
+            <a:fld id="{1449B803-50CD-EC4E-8B7A-3BB09A603FF1}" type="datetime1">
               <a:rPr kumimoji="1" lang="zh-TW" altLang="en-US" smtClean="0"/>
               <a:t>2022/10/25</a:t>
             </a:fld>
@@ -1815,7 +1815,7 @@
           <a:bodyPr/>
           <a:lstStyle/>
           <a:p>
-            <a:fld id="{B2043BB3-903B-2B44-B757-F3729E8597C3}" type="datetime1">
+            <a:fld id="{2CB1C000-6B76-064B-9166-F9595A478BDC}" type="datetime1">
               <a:rPr kumimoji="1" lang="zh-TW" altLang="en-US" smtClean="0"/>
               <a:t>2022/10/25</a:t>
             </a:fld>
@@ -2231,7 +2231,7 @@
           <a:bodyPr/>
           <a:lstStyle/>
           <a:p>
-            <a:fld id="{EA269595-D5F2-C542-B77E-3781B94FC782}" type="datetime1">
+            <a:fld id="{CF14831B-9815-8742-AC5B-5AA59FDF18AE}" type="datetime1">
               <a:rPr kumimoji="1" lang="zh-TW" altLang="en-US" smtClean="0"/>
               <a:t>2022/10/25</a:t>
             </a:fld>
@@ -2376,7 +2376,7 @@
           <a:bodyPr/>
           <a:lstStyle/>
           <a:p>
-            <a:fld id="{D7DA85EB-3EB8-BC4A-B548-375BFA09CCA4}" type="datetime1">
+            <a:fld id="{3C7D7DA9-3C92-3F46-BF8A-1CFD1E81C423}" type="datetime1">
               <a:rPr kumimoji="1" lang="zh-TW" altLang="en-US" smtClean="0"/>
               <a:t>2022/10/25</a:t>
             </a:fld>
@@ -2493,7 +2493,7 @@
           <a:bodyPr/>
           <a:lstStyle/>
           <a:p>
-            <a:fld id="{754FAF35-0624-1E4F-ADBA-854E95FD5A4C}" type="datetime1">
+            <a:fld id="{3B6F1AAA-6464-8645-82BA-43CA7321DB86}" type="datetime1">
               <a:rPr kumimoji="1" lang="zh-TW" altLang="en-US" smtClean="0"/>
               <a:t>2022/10/25</a:t>
             </a:fld>
@@ -2813,7 +2813,7 @@
           <a:bodyPr/>
           <a:lstStyle/>
           <a:p>
-            <a:fld id="{7EEF2D2C-B4C6-F24F-9859-2E378FA48287}" type="datetime1">
+            <a:fld id="{AFEFE8A1-658B-E543-84B7-9A050D499653}" type="datetime1">
               <a:rPr kumimoji="1" lang="zh-TW" altLang="en-US" smtClean="0"/>
               <a:t>2022/10/25</a:t>
             </a:fld>
@@ -3137,7 +3137,7 @@
           <a:bodyPr/>
           <a:lstStyle/>
           <a:p>
-            <a:fld id="{C138C470-4BF6-B049-938D-FA3E5F294A69}" type="datetime1">
+            <a:fld id="{69FFD404-7A03-7447-91BB-A8EBC0FAA40B}" type="datetime1">
               <a:rPr kumimoji="1" lang="zh-TW" altLang="en-US" smtClean="0"/>
               <a:t>2022/10/25</a:t>
             </a:fld>
@@ -3382,7 +3382,7 @@
             </a:lvl1pPr>
           </a:lstStyle>
           <a:p>
-            <a:fld id="{6B021ED4-7DA7-CB4B-B8E5-39B8B9F86DAE}" type="datetime1">
+            <a:fld id="{8C072DA4-4C80-2D40-B4B7-7E025C21C93F}" type="datetime1">
               <a:rPr kumimoji="1" lang="zh-TW" altLang="en-US" smtClean="0"/>
               <a:t>2022/10/25</a:t>
             </a:fld>
@@ -3506,7 +3506,7 @@
     <p:sldLayoutId id="2147483658" r:id="rId10"/>
     <p:sldLayoutId id="2147483659" r:id="rId11"/>
   </p:sldLayoutIdLst>
-  <p:hf sldNum="0" hdr="0" dt="0"/>
+  <p:hf hdr="0" dt="0"/>
   <p:txStyles>
     <p:titleStyle>
       <a:lvl1pPr algn="l" defTabSz="914400" rtl="0" eaLnBrk="1" latinLnBrk="0" hangingPunct="1">

--- a/slidetemp.pptx
+++ b/slidetemp.pptx
@@ -197,7 +197,7 @@
           <a:p>
             <a:fld id="{8B2C1FF7-3CD2-7848-AA02-AAC2E9ACC631}" type="datetimeFigureOut">
               <a:rPr kumimoji="1" lang="zh-TW" altLang="en-US" smtClean="0"/>
-              <a:t>2022/10/25</a:t>
+              <a:t>2022/10/26</a:t>
             </a:fld>
             <a:endParaRPr kumimoji="1" lang="zh-TW" altLang="en-US"/>
           </a:p>
@@ -616,7 +616,7 @@
           <a:p>
             <a:fld id="{CCA3BCEC-E0A8-DC4D-92CF-189A5D9CE8A0}" type="datetime1">
               <a:rPr kumimoji="1" lang="zh-TW" altLang="en-US" smtClean="0"/>
-              <a:t>2022/10/25</a:t>
+              <a:t>2022/10/26</a:t>
             </a:fld>
             <a:endParaRPr kumimoji="1" lang="zh-TW" altLang="en-US"/>
           </a:p>
@@ -829,7 +829,7 @@
           <a:p>
             <a:fld id="{48072747-81D0-BA4D-B222-344798699909}" type="datetime1">
               <a:rPr kumimoji="1" lang="zh-TW" altLang="en-US" smtClean="0"/>
-              <a:t>2022/10/25</a:t>
+              <a:t>2022/10/26</a:t>
             </a:fld>
             <a:endParaRPr kumimoji="1" lang="zh-TW" altLang="en-US"/>
           </a:p>
@@ -1041,7 +1041,7 @@
           <a:p>
             <a:fld id="{E511C100-4250-D748-8511-1E3AD62F69F9}" type="datetime1">
               <a:rPr kumimoji="1" lang="zh-TW" altLang="en-US" smtClean="0"/>
-              <a:t>2022/10/25</a:t>
+              <a:t>2022/10/26</a:t>
             </a:fld>
             <a:endParaRPr kumimoji="1" lang="zh-TW" altLang="en-US"/>
           </a:p>
@@ -1151,7 +1151,12 @@
             <p:ph type="title"/>
           </p:nvPr>
         </p:nvSpPr>
-        <p:spPr/>
+        <p:spPr>
+          <a:xfrm>
+            <a:off x="838200" y="806561"/>
+            <a:ext cx="10515600" cy="1085988"/>
+          </a:xfrm>
+        </p:spPr>
         <p:txBody>
           <a:bodyPr/>
           <a:lstStyle/>
@@ -1179,7 +1184,12 @@
             <p:ph idx="1"/>
           </p:nvPr>
         </p:nvSpPr>
-        <p:spPr/>
+        <p:spPr>
+          <a:xfrm>
+            <a:off x="838200" y="2061514"/>
+            <a:ext cx="10515600" cy="3989926"/>
+          </a:xfrm>
+        </p:spPr>
         <p:txBody>
           <a:bodyPr/>
           <a:lstStyle>
@@ -1269,7 +1279,7 @@
           <a:p>
             <a:fld id="{E954B807-27C8-AB44-9BF2-5A4736229AAB}" type="datetime1">
               <a:rPr kumimoji="1" lang="zh-TW" altLang="en-US" smtClean="0"/>
-              <a:t>2022/10/25</a:t>
+              <a:t>2022/10/26</a:t>
             </a:fld>
             <a:endParaRPr kumimoji="1" lang="zh-TW" altLang="en-US"/>
           </a:p>
@@ -1548,7 +1558,7 @@
           <a:p>
             <a:fld id="{1449B803-50CD-EC4E-8B7A-3BB09A603FF1}" type="datetime1">
               <a:rPr kumimoji="1" lang="zh-TW" altLang="en-US" smtClean="0"/>
-              <a:t>2022/10/25</a:t>
+              <a:t>2022/10/26</a:t>
             </a:fld>
             <a:endParaRPr kumimoji="1" lang="zh-TW" altLang="en-US"/>
           </a:p>
@@ -1817,7 +1827,7 @@
           <a:p>
             <a:fld id="{2CB1C000-6B76-064B-9166-F9595A478BDC}" type="datetime1">
               <a:rPr kumimoji="1" lang="zh-TW" altLang="en-US" smtClean="0"/>
-              <a:t>2022/10/25</a:t>
+              <a:t>2022/10/26</a:t>
             </a:fld>
             <a:endParaRPr kumimoji="1" lang="zh-TW" altLang="en-US"/>
           </a:p>
@@ -2233,7 +2243,7 @@
           <a:p>
             <a:fld id="{CF14831B-9815-8742-AC5B-5AA59FDF18AE}" type="datetime1">
               <a:rPr kumimoji="1" lang="zh-TW" altLang="en-US" smtClean="0"/>
-              <a:t>2022/10/25</a:t>
+              <a:t>2022/10/26</a:t>
             </a:fld>
             <a:endParaRPr kumimoji="1" lang="zh-TW" altLang="en-US"/>
           </a:p>
@@ -2378,7 +2388,7 @@
           <a:p>
             <a:fld id="{3C7D7DA9-3C92-3F46-BF8A-1CFD1E81C423}" type="datetime1">
               <a:rPr kumimoji="1" lang="zh-TW" altLang="en-US" smtClean="0"/>
-              <a:t>2022/10/25</a:t>
+              <a:t>2022/10/26</a:t>
             </a:fld>
             <a:endParaRPr kumimoji="1" lang="zh-TW" altLang="en-US"/>
           </a:p>
@@ -2495,7 +2505,7 @@
           <a:p>
             <a:fld id="{3B6F1AAA-6464-8645-82BA-43CA7321DB86}" type="datetime1">
               <a:rPr kumimoji="1" lang="zh-TW" altLang="en-US" smtClean="0"/>
-              <a:t>2022/10/25</a:t>
+              <a:t>2022/10/26</a:t>
             </a:fld>
             <a:endParaRPr kumimoji="1" lang="zh-TW" altLang="en-US"/>
           </a:p>
@@ -2607,7 +2617,7 @@
         </p:nvSpPr>
         <p:spPr>
           <a:xfrm>
-            <a:off x="839789" y="457200"/>
+            <a:off x="8522851" y="362607"/>
             <a:ext cx="3198812" cy="1112838"/>
           </a:xfrm>
         </p:spPr>
@@ -2617,7 +2627,7 @@
           </a:bodyPr>
           <a:lstStyle>
             <a:lvl1pPr>
-              <a:defRPr sz="3200"/>
+              <a:defRPr sz="2400"/>
             </a:lvl1pPr>
           </a:lstStyle>
           <a:p>
@@ -2646,8 +2656,8 @@
         </p:nvSpPr>
         <p:spPr>
           <a:xfrm>
-            <a:off x="4154557" y="457201"/>
-            <a:ext cx="7200831" cy="5403850"/>
+            <a:off x="-1" y="9252"/>
+            <a:ext cx="8208579" cy="6848748"/>
           </a:xfrm>
         </p:spPr>
         <p:txBody>
@@ -2736,7 +2746,7 @@
         </p:nvSpPr>
         <p:spPr>
           <a:xfrm>
-            <a:off x="839789" y="1639957"/>
+            <a:off x="8522851" y="1801382"/>
             <a:ext cx="3198812" cy="4229031"/>
           </a:xfrm>
         </p:spPr>
@@ -2748,7 +2758,7 @@
             <a:lvl1pPr marL="457200" indent="-457200">
               <a:buFont typeface="Arial" panose="020B0604020202020204" pitchFamily="34" charset="0"/>
               <a:buChar char="•"/>
-              <a:defRPr sz="1800"/>
+              <a:defRPr sz="1400"/>
             </a:lvl1pPr>
             <a:lvl2pPr marL="457200" indent="0">
               <a:buNone/>
@@ -2789,64 +2799,6 @@
               <a:rPr kumimoji="1" lang="zh-TW" altLang="en-US" dirty="0"/>
               <a:t>按一下以編輯母片文字樣式</a:t>
             </a:r>
-          </a:p>
-        </p:txBody>
-      </p:sp>
-      <p:sp>
-        <p:nvSpPr>
-          <p:cNvPr id="5" name="日期版面配置區 4">
-            <a:extLst>
-              <a:ext uri="{FF2B5EF4-FFF2-40B4-BE49-F238E27FC236}">
-                <a16:creationId xmlns:a16="http://schemas.microsoft.com/office/drawing/2014/main" id="{A96E0240-AAAC-2496-E46A-949533156A34}"/>
-              </a:ext>
-            </a:extLst>
-          </p:cNvPr>
-          <p:cNvSpPr>
-            <a:spLocks noGrp="1"/>
-          </p:cNvSpPr>
-          <p:nvPr>
-            <p:ph type="dt" sz="half" idx="10"/>
-          </p:nvPr>
-        </p:nvSpPr>
-        <p:spPr/>
-        <p:txBody>
-          <a:bodyPr/>
-          <a:lstStyle/>
-          <a:p>
-            <a:fld id="{AFEFE8A1-658B-E543-84B7-9A050D499653}" type="datetime1">
-              <a:rPr kumimoji="1" lang="zh-TW" altLang="en-US" smtClean="0"/>
-              <a:t>2022/10/25</a:t>
-            </a:fld>
-            <a:endParaRPr kumimoji="1" lang="zh-TW" altLang="en-US"/>
-          </a:p>
-        </p:txBody>
-      </p:sp>
-      <p:sp>
-        <p:nvSpPr>
-          <p:cNvPr id="6" name="頁尾版面配置區 5">
-            <a:extLst>
-              <a:ext uri="{FF2B5EF4-FFF2-40B4-BE49-F238E27FC236}">
-                <a16:creationId xmlns:a16="http://schemas.microsoft.com/office/drawing/2014/main" id="{5DEAA653-E207-BD31-F603-4E0ECB0DBFBC}"/>
-              </a:ext>
-            </a:extLst>
-          </p:cNvPr>
-          <p:cNvSpPr>
-            <a:spLocks noGrp="1"/>
-          </p:cNvSpPr>
-          <p:nvPr>
-            <p:ph type="ftr" sz="quarter" idx="11"/>
-          </p:nvPr>
-        </p:nvSpPr>
-        <p:spPr/>
-        <p:txBody>
-          <a:bodyPr/>
-          <a:lstStyle/>
-          <a:p>
-            <a:r>
-              <a:rPr kumimoji="1" lang="en" altLang="zh-TW"/>
-              <a:t>Lizard Production</a:t>
-            </a:r>
-            <a:endParaRPr kumimoji="1" lang="zh-TW" altLang="en-US"/>
           </a:p>
         </p:txBody>
       </p:sp>
@@ -3139,7 +3091,7 @@
           <a:p>
             <a:fld id="{69FFD404-7A03-7447-91BB-A8EBC0FAA40B}" type="datetime1">
               <a:rPr kumimoji="1" lang="zh-TW" altLang="en-US" smtClean="0"/>
-              <a:t>2022/10/25</a:t>
+              <a:t>2022/10/26</a:t>
             </a:fld>
             <a:endParaRPr kumimoji="1" lang="zh-TW" altLang="en-US"/>
           </a:p>
@@ -3384,7 +3336,7 @@
           <a:p>
             <a:fld id="{8C072DA4-4C80-2D40-B4B7-7E025C21C93F}" type="datetime1">
               <a:rPr kumimoji="1" lang="zh-TW" altLang="en-US" smtClean="0"/>
-              <a:t>2022/10/25</a:t>
+              <a:t>2022/10/26</a:t>
             </a:fld>
             <a:endParaRPr kumimoji="1" lang="zh-TW" altLang="en-US"/>
           </a:p>
@@ -3543,7 +3495,7 @@
         </a:buClr>
         <a:buFont typeface="Arial" panose="020B0604020202020204" pitchFamily="34" charset="0"/>
         <a:buChar char="•"/>
-        <a:defRPr sz="2400" kern="1200">
+        <a:defRPr sz="2000" kern="1200">
           <a:solidFill>
             <a:schemeClr val="tx1"/>
           </a:solidFill>
@@ -3567,7 +3519,7 @@
         </a:buClr>
         <a:buFont typeface="Arial" panose="020B0604020202020204" pitchFamily="34" charset="0"/>
         <a:buChar char="•"/>
-        <a:defRPr sz="2400" kern="1200">
+        <a:defRPr sz="2000" kern="1200">
           <a:solidFill>
             <a:schemeClr val="tx1"/>
           </a:solidFill>
@@ -3591,7 +3543,7 @@
         </a:buClr>
         <a:buFont typeface="Arial" panose="020B0604020202020204" pitchFamily="34" charset="0"/>
         <a:buChar char="•"/>
-        <a:defRPr sz="2400" kern="1200">
+        <a:defRPr sz="2000" kern="1200">
           <a:solidFill>
             <a:schemeClr val="tx1"/>
           </a:solidFill>
@@ -3615,7 +3567,7 @@
         </a:buClr>
         <a:buFont typeface="Arial" panose="020B0604020202020204" pitchFamily="34" charset="0"/>
         <a:buChar char="•"/>
-        <a:defRPr sz="2400" kern="1200">
+        <a:defRPr sz="2000" kern="1200">
           <a:solidFill>
             <a:schemeClr val="tx1"/>
           </a:solidFill>
@@ -3639,7 +3591,7 @@
         </a:buClr>
         <a:buFont typeface="Arial" panose="020B0604020202020204" pitchFamily="34" charset="0"/>
         <a:buChar char="•"/>
-        <a:defRPr sz="2400" kern="1200">
+        <a:defRPr sz="2000" kern="1200">
           <a:solidFill>
             <a:schemeClr val="tx1"/>
           </a:solidFill>

--- a/slidetemp.pptx
+++ b/slidetemp.pptx
@@ -2617,7 +2617,7 @@
         </p:nvSpPr>
         <p:spPr>
           <a:xfrm>
-            <a:off x="8522851" y="362607"/>
+            <a:off x="671624" y="446690"/>
             <a:ext cx="3198812" cy="1112838"/>
           </a:xfrm>
         </p:spPr>
@@ -2656,8 +2656,8 @@
         </p:nvSpPr>
         <p:spPr>
           <a:xfrm>
-            <a:off x="-1" y="9252"/>
-            <a:ext cx="8208579" cy="6848748"/>
+            <a:off x="4332891" y="446690"/>
+            <a:ext cx="7564820" cy="5565228"/>
           </a:xfrm>
         </p:spPr>
         <p:txBody>
@@ -2746,7 +2746,7 @@
         </p:nvSpPr>
         <p:spPr>
           <a:xfrm>
-            <a:off x="8522851" y="1801382"/>
+            <a:off x="671624" y="1885465"/>
             <a:ext cx="3198812" cy="4229031"/>
           </a:xfrm>
         </p:spPr>

--- a/slidetemp.pptx
+++ b/slidetemp.pptx
@@ -2618,7 +2618,7 @@
         <p:spPr>
           <a:xfrm>
             <a:off x="671624" y="446690"/>
-            <a:ext cx="3198812" cy="1112838"/>
+            <a:ext cx="3198812" cy="656896"/>
           </a:xfrm>
         </p:spPr>
         <p:txBody>
@@ -2627,7 +2627,7 @@
           </a:bodyPr>
           <a:lstStyle>
             <a:lvl1pPr>
-              <a:defRPr sz="2400"/>
+              <a:defRPr sz="1800"/>
             </a:lvl1pPr>
           </a:lstStyle>
           <a:p>
@@ -2656,8 +2656,8 @@
         </p:nvSpPr>
         <p:spPr>
           <a:xfrm>
-            <a:off x="4332891" y="446690"/>
-            <a:ext cx="7564820" cy="5565228"/>
+            <a:off x="3870436" y="446689"/>
+            <a:ext cx="8027275" cy="6274785"/>
           </a:xfrm>
         </p:spPr>
         <p:txBody>
@@ -2746,8 +2746,8 @@
         </p:nvSpPr>
         <p:spPr>
           <a:xfrm>
-            <a:off x="671624" y="1885465"/>
-            <a:ext cx="3198812" cy="4229031"/>
+            <a:off x="671624" y="1345325"/>
+            <a:ext cx="3198812" cy="4769172"/>
           </a:xfrm>
         </p:spPr>
         <p:txBody>

--- a/slidetemp.pptx
+++ b/slidetemp.pptx
@@ -197,7 +197,7 @@
           <a:p>
             <a:fld id="{8B2C1FF7-3CD2-7848-AA02-AAC2E9ACC631}" type="datetimeFigureOut">
               <a:rPr kumimoji="1" lang="zh-TW" altLang="en-US" smtClean="0"/>
-              <a:t>2022/10/26</a:t>
+              <a:t>2022/10/27</a:t>
             </a:fld>
             <a:endParaRPr kumimoji="1" lang="zh-TW" altLang="en-US"/>
           </a:p>
@@ -616,7 +616,7 @@
           <a:p>
             <a:fld id="{CCA3BCEC-E0A8-DC4D-92CF-189A5D9CE8A0}" type="datetime1">
               <a:rPr kumimoji="1" lang="zh-TW" altLang="en-US" smtClean="0"/>
-              <a:t>2022/10/26</a:t>
+              <a:t>2022/10/27</a:t>
             </a:fld>
             <a:endParaRPr kumimoji="1" lang="zh-TW" altLang="en-US"/>
           </a:p>
@@ -829,7 +829,7 @@
           <a:p>
             <a:fld id="{48072747-81D0-BA4D-B222-344798699909}" type="datetime1">
               <a:rPr kumimoji="1" lang="zh-TW" altLang="en-US" smtClean="0"/>
-              <a:t>2022/10/26</a:t>
+              <a:t>2022/10/27</a:t>
             </a:fld>
             <a:endParaRPr kumimoji="1" lang="zh-TW" altLang="en-US"/>
           </a:p>
@@ -1041,7 +1041,7 @@
           <a:p>
             <a:fld id="{E511C100-4250-D748-8511-1E3AD62F69F9}" type="datetime1">
               <a:rPr kumimoji="1" lang="zh-TW" altLang="en-US" smtClean="0"/>
-              <a:t>2022/10/26</a:t>
+              <a:t>2022/10/27</a:t>
             </a:fld>
             <a:endParaRPr kumimoji="1" lang="zh-TW" altLang="en-US"/>
           </a:p>
@@ -1153,7 +1153,7 @@
         </p:nvSpPr>
         <p:spPr>
           <a:xfrm>
-            <a:off x="838200" y="806561"/>
+            <a:off x="838200" y="438813"/>
             <a:ext cx="10515600" cy="1085988"/>
           </a:xfrm>
         </p:spPr>
@@ -1186,7 +1186,7 @@
         </p:nvSpPr>
         <p:spPr>
           <a:xfrm>
-            <a:off x="838200" y="2061514"/>
+            <a:off x="838200" y="1693766"/>
             <a:ext cx="10515600" cy="3989926"/>
           </a:xfrm>
         </p:spPr>
@@ -1279,7 +1279,7 @@
           <a:p>
             <a:fld id="{E954B807-27C8-AB44-9BF2-5A4736229AAB}" type="datetime1">
               <a:rPr kumimoji="1" lang="zh-TW" altLang="en-US" smtClean="0"/>
-              <a:t>2022/10/26</a:t>
+              <a:t>2022/10/27</a:t>
             </a:fld>
             <a:endParaRPr kumimoji="1" lang="zh-TW" altLang="en-US"/>
           </a:p>
@@ -1558,7 +1558,7 @@
           <a:p>
             <a:fld id="{1449B803-50CD-EC4E-8B7A-3BB09A603FF1}" type="datetime1">
               <a:rPr kumimoji="1" lang="zh-TW" altLang="en-US" smtClean="0"/>
-              <a:t>2022/10/26</a:t>
+              <a:t>2022/10/27</a:t>
             </a:fld>
             <a:endParaRPr kumimoji="1" lang="zh-TW" altLang="en-US"/>
           </a:p>
@@ -1827,7 +1827,7 @@
           <a:p>
             <a:fld id="{2CB1C000-6B76-064B-9166-F9595A478BDC}" type="datetime1">
               <a:rPr kumimoji="1" lang="zh-TW" altLang="en-US" smtClean="0"/>
-              <a:t>2022/10/26</a:t>
+              <a:t>2022/10/27</a:t>
             </a:fld>
             <a:endParaRPr kumimoji="1" lang="zh-TW" altLang="en-US"/>
           </a:p>
@@ -2243,7 +2243,7 @@
           <a:p>
             <a:fld id="{CF14831B-9815-8742-AC5B-5AA59FDF18AE}" type="datetime1">
               <a:rPr kumimoji="1" lang="zh-TW" altLang="en-US" smtClean="0"/>
-              <a:t>2022/10/26</a:t>
+              <a:t>2022/10/27</a:t>
             </a:fld>
             <a:endParaRPr kumimoji="1" lang="zh-TW" altLang="en-US"/>
           </a:p>
@@ -2388,7 +2388,7 @@
           <a:p>
             <a:fld id="{3C7D7DA9-3C92-3F46-BF8A-1CFD1E81C423}" type="datetime1">
               <a:rPr kumimoji="1" lang="zh-TW" altLang="en-US" smtClean="0"/>
-              <a:t>2022/10/26</a:t>
+              <a:t>2022/10/27</a:t>
             </a:fld>
             <a:endParaRPr kumimoji="1" lang="zh-TW" altLang="en-US"/>
           </a:p>
@@ -2505,7 +2505,7 @@
           <a:p>
             <a:fld id="{3B6F1AAA-6464-8645-82BA-43CA7321DB86}" type="datetime1">
               <a:rPr kumimoji="1" lang="zh-TW" altLang="en-US" smtClean="0"/>
-              <a:t>2022/10/26</a:t>
+              <a:t>2022/10/27</a:t>
             </a:fld>
             <a:endParaRPr kumimoji="1" lang="zh-TW" altLang="en-US"/>
           </a:p>
@@ -3091,7 +3091,7 @@
           <a:p>
             <a:fld id="{69FFD404-7A03-7447-91BB-A8EBC0FAA40B}" type="datetime1">
               <a:rPr kumimoji="1" lang="zh-TW" altLang="en-US" smtClean="0"/>
-              <a:t>2022/10/26</a:t>
+              <a:t>2022/10/27</a:t>
             </a:fld>
             <a:endParaRPr kumimoji="1" lang="zh-TW" altLang="en-US"/>
           </a:p>
@@ -3336,7 +3336,7 @@
           <a:p>
             <a:fld id="{8C072DA4-4C80-2D40-B4B7-7E025C21C93F}" type="datetime1">
               <a:rPr kumimoji="1" lang="zh-TW" altLang="en-US" smtClean="0"/>
-              <a:t>2022/10/26</a:t>
+              <a:t>2022/10/27</a:t>
             </a:fld>
             <a:endParaRPr kumimoji="1" lang="zh-TW" altLang="en-US"/>
           </a:p>

--- a/slidetemp.pptx
+++ b/slidetemp.pptx
@@ -5,10 +5,11 @@
     <p:sldMasterId id="2147483648" r:id="rId1"/>
   </p:sldMasterIdLst>
   <p:notesMasterIdLst>
-    <p:notesMasterId r:id="rId3"/>
+    <p:notesMasterId r:id="rId4"/>
   </p:notesMasterIdLst>
   <p:sldIdLst>
     <p:sldId id="256" r:id="rId2"/>
+    <p:sldId id="257" r:id="rId3"/>
   </p:sldIdLst>
   <p:sldSz cx="12192000" cy="6858000"/>
   <p:notesSz cx="6858000" cy="9144000"/>
@@ -197,7 +198,7 @@
           <a:p>
             <a:fld id="{8B2C1FF7-3CD2-7848-AA02-AAC2E9ACC631}" type="datetimeFigureOut">
               <a:rPr kumimoji="1" lang="zh-TW" altLang="en-US" smtClean="0"/>
-              <a:t>2022/10/27</a:t>
+              <a:t>2022/11/13</a:t>
             </a:fld>
             <a:endParaRPr kumimoji="1" lang="zh-TW" altLang="en-US"/>
           </a:p>
@@ -499,14 +500,14 @@
         </p:nvSpPr>
         <p:spPr>
           <a:xfrm>
-            <a:off x="1524000" y="1122363"/>
+            <a:off x="1524000" y="1487488"/>
             <a:ext cx="9144000" cy="2387600"/>
           </a:xfrm>
         </p:spPr>
         <p:txBody>
           <a:bodyPr anchor="b"/>
           <a:lstStyle>
-            <a:lvl1pPr algn="ctr">
+            <a:lvl1pPr algn="l">
               <a:defRPr sz="6000">
                 <a:solidFill>
                   <a:srgbClr val="C00000"/>
@@ -541,14 +542,14 @@
         </p:nvSpPr>
         <p:spPr>
           <a:xfrm>
-            <a:off x="1524000" y="3602038"/>
+            <a:off x="1524000" y="3967163"/>
             <a:ext cx="9144000" cy="1655762"/>
           </a:xfrm>
         </p:spPr>
         <p:txBody>
           <a:bodyPr/>
           <a:lstStyle>
-            <a:lvl1pPr marL="0" indent="0" algn="ctr">
+            <a:lvl1pPr marL="0" indent="0" algn="l">
               <a:buNone/>
               <a:defRPr sz="2400"/>
             </a:lvl1pPr>
@@ -595,35 +596,6 @@
       </p:sp>
       <p:sp>
         <p:nvSpPr>
-          <p:cNvPr id="4" name="日期版面配置區 3">
-            <a:extLst>
-              <a:ext uri="{FF2B5EF4-FFF2-40B4-BE49-F238E27FC236}">
-                <a16:creationId xmlns:a16="http://schemas.microsoft.com/office/drawing/2014/main" id="{1E43F28D-45D9-14A5-C0D7-DD277DEB028F}"/>
-              </a:ext>
-            </a:extLst>
-          </p:cNvPr>
-          <p:cNvSpPr>
-            <a:spLocks noGrp="1"/>
-          </p:cNvSpPr>
-          <p:nvPr>
-            <p:ph type="dt" sz="half" idx="10"/>
-          </p:nvPr>
-        </p:nvSpPr>
-        <p:spPr/>
-        <p:txBody>
-          <a:bodyPr/>
-          <a:lstStyle/>
-          <a:p>
-            <a:fld id="{CCA3BCEC-E0A8-DC4D-92CF-189A5D9CE8A0}" type="datetime1">
-              <a:rPr kumimoji="1" lang="zh-TW" altLang="en-US" smtClean="0"/>
-              <a:t>2022/10/27</a:t>
-            </a:fld>
-            <a:endParaRPr kumimoji="1" lang="zh-TW" altLang="en-US"/>
-          </a:p>
-        </p:txBody>
-      </p:sp>
-      <p:sp>
-        <p:nvSpPr>
           <p:cNvPr id="5" name="頁尾版面配置區 4">
             <a:extLst>
               <a:ext uri="{FF2B5EF4-FFF2-40B4-BE49-F238E27FC236}">
@@ -638,19 +610,30 @@
             <p:ph type="ftr" sz="quarter" idx="11"/>
           </p:nvPr>
         </p:nvSpPr>
-        <p:spPr/>
-        <p:txBody>
-          <a:bodyPr/>
+        <p:spPr>
+          <a:xfrm>
+            <a:off x="8100391" y="0"/>
+            <a:ext cx="2567609" cy="442016"/>
+          </a:xfrm>
+          <a:solidFill>
+            <a:srgbClr val="D50C2C"/>
+          </a:solidFill>
+        </p:spPr>
+        <p:txBody>
+          <a:bodyPr anchor="b"/>
           <a:lstStyle>
-            <a:lvl1pPr>
-              <a:defRPr>
+            <a:lvl1pPr algn="r">
+              <a:defRPr sz="1600">
+                <a:solidFill>
+                  <a:schemeClr val="bg1"/>
+                </a:solidFill>
                 <a:latin typeface="Helvetica" pitchFamily="2" charset="0"/>
               </a:defRPr>
             </a:lvl1pPr>
           </a:lstStyle>
           <a:p>
             <a:r>
-              <a:rPr kumimoji="1" lang="en-US" altLang="zh-TW" dirty="0"/>
+              <a:rPr kumimoji="1" lang="en-US" altLang="zh-TW"/>
               <a:t>Lizard Production</a:t>
             </a:r>
             <a:endParaRPr kumimoji="1" lang="zh-TW" altLang="en-US" dirty="0"/>
@@ -659,34 +642,52 @@
       </p:sp>
       <p:sp>
         <p:nvSpPr>
-          <p:cNvPr id="6" name="投影片編號版面配置區 5">
-            <a:extLst>
-              <a:ext uri="{FF2B5EF4-FFF2-40B4-BE49-F238E27FC236}">
-                <a16:creationId xmlns:a16="http://schemas.microsoft.com/office/drawing/2014/main" id="{DDCF25E8-5821-1CD8-1045-83714B722D02}"/>
-              </a:ext>
-            </a:extLst>
-          </p:cNvPr>
-          <p:cNvSpPr>
-            <a:spLocks noGrp="1"/>
-          </p:cNvSpPr>
-          <p:nvPr>
-            <p:ph type="sldNum" sz="quarter" idx="12"/>
-          </p:nvPr>
+          <p:cNvPr id="7" name="矩形 6">
+            <a:extLst>
+              <a:ext uri="{FF2B5EF4-FFF2-40B4-BE49-F238E27FC236}">
+                <a16:creationId xmlns:a16="http://schemas.microsoft.com/office/drawing/2014/main" id="{773DA090-3BD6-EDFB-DB4A-81CE5AB35881}"/>
+              </a:ext>
+            </a:extLst>
+          </p:cNvPr>
+          <p:cNvSpPr/>
+          <p:nvPr userDrawn="1"/>
         </p:nvSpPr>
         <p:spPr>
           <a:xfrm>
-            <a:off x="8610600" y="6356350"/>
-            <a:ext cx="2743200" cy="365126"/>
+            <a:off x="0" y="0"/>
+            <a:ext cx="159026" cy="6858000"/>
           </a:xfrm>
+          <a:prstGeom prst="rect">
+            <a:avLst/>
+          </a:prstGeom>
+          <a:solidFill>
+            <a:srgbClr val="D50C2C"/>
+          </a:solidFill>
+          <a:ln>
+            <a:noFill/>
+          </a:ln>
         </p:spPr>
-        <p:txBody>
-          <a:bodyPr/>
-          <a:lstStyle/>
-          <a:p>
-            <a:fld id="{36C4C0BD-81AA-5C43-BE60-98480816AF12}" type="slidenum">
-              <a:rPr kumimoji="1" lang="zh-TW" altLang="en-US" smtClean="0"/>
-              <a:t>‹#›</a:t>
-            </a:fld>
+        <p:style>
+          <a:lnRef idx="2">
+            <a:schemeClr val="accent1">
+              <a:shade val="50000"/>
+            </a:schemeClr>
+          </a:lnRef>
+          <a:fillRef idx="1">
+            <a:schemeClr val="accent1"/>
+          </a:fillRef>
+          <a:effectRef idx="0">
+            <a:schemeClr val="accent1"/>
+          </a:effectRef>
+          <a:fontRef idx="minor">
+            <a:schemeClr val="lt1"/>
+          </a:fontRef>
+        </p:style>
+        <p:txBody>
+          <a:bodyPr rtlCol="0" anchor="ctr"/>
+          <a:lstStyle/>
+          <a:p>
+            <a:pPr algn="ctr"/>
             <a:endParaRPr kumimoji="1" lang="zh-TW" altLang="en-US"/>
           </a:p>
         </p:txBody>
@@ -827,9 +828,9 @@
           <a:bodyPr/>
           <a:lstStyle/>
           <a:p>
-            <a:fld id="{48072747-81D0-BA4D-B222-344798699909}" type="datetime1">
+            <a:fld id="{08D4F340-302D-EE49-98E1-C572837DFD79}" type="datetime1">
               <a:rPr kumimoji="1" lang="zh-TW" altLang="en-US" smtClean="0"/>
-              <a:t>2022/10/27</a:t>
+              <a:t>2022/11/13</a:t>
             </a:fld>
             <a:endParaRPr kumimoji="1" lang="zh-TW" altLang="en-US"/>
           </a:p>
@@ -1039,9 +1040,9 @@
           <a:bodyPr/>
           <a:lstStyle/>
           <a:p>
-            <a:fld id="{E511C100-4250-D748-8511-1E3AD62F69F9}" type="datetime1">
+            <a:fld id="{5F603953-F1E1-AA46-89C8-DE9F83998359}" type="datetime1">
               <a:rPr kumimoji="1" lang="zh-TW" altLang="en-US" smtClean="0"/>
-              <a:t>2022/10/27</a:t>
+              <a:t>2022/11/13</a:t>
             </a:fld>
             <a:endParaRPr kumimoji="1" lang="zh-TW" altLang="en-US"/>
           </a:p>
@@ -1137,6 +1138,58 @@
       </p:grpSpPr>
       <p:sp>
         <p:nvSpPr>
+          <p:cNvPr id="7" name="矩形 6">
+            <a:extLst>
+              <a:ext uri="{FF2B5EF4-FFF2-40B4-BE49-F238E27FC236}">
+                <a16:creationId xmlns:a16="http://schemas.microsoft.com/office/drawing/2014/main" id="{B4940AB9-0C59-EC5C-2476-66F8A2455F30}"/>
+              </a:ext>
+            </a:extLst>
+          </p:cNvPr>
+          <p:cNvSpPr/>
+          <p:nvPr userDrawn="1"/>
+        </p:nvSpPr>
+        <p:spPr>
+          <a:xfrm>
+            <a:off x="168965" y="1693766"/>
+            <a:ext cx="12023035" cy="5164234"/>
+          </a:xfrm>
+          <a:prstGeom prst="rect">
+            <a:avLst/>
+          </a:prstGeom>
+          <a:solidFill>
+            <a:srgbClr val="F3F3EA"/>
+          </a:solidFill>
+          <a:ln>
+            <a:noFill/>
+          </a:ln>
+        </p:spPr>
+        <p:style>
+          <a:lnRef idx="2">
+            <a:schemeClr val="accent1">
+              <a:shade val="50000"/>
+            </a:schemeClr>
+          </a:lnRef>
+          <a:fillRef idx="1">
+            <a:schemeClr val="accent1"/>
+          </a:fillRef>
+          <a:effectRef idx="0">
+            <a:schemeClr val="accent1"/>
+          </a:effectRef>
+          <a:fontRef idx="minor">
+            <a:schemeClr val="lt1"/>
+          </a:fontRef>
+        </p:style>
+        <p:txBody>
+          <a:bodyPr rtlCol="0" anchor="ctr"/>
+          <a:lstStyle/>
+          <a:p>
+            <a:pPr algn="ctr"/>
+            <a:endParaRPr kumimoji="1" lang="zh-TW" altLang="en-US"/>
+          </a:p>
+        </p:txBody>
+      </p:sp>
+      <p:sp>
+        <p:nvSpPr>
           <p:cNvPr id="2" name="標題 1">
             <a:extLst>
               <a:ext uri="{FF2B5EF4-FFF2-40B4-BE49-F238E27FC236}">
@@ -1186,35 +1239,37 @@
         </p:nvSpPr>
         <p:spPr>
           <a:xfrm>
-            <a:off x="838200" y="1693766"/>
-            <a:ext cx="10515600" cy="3989926"/>
+            <a:off x="838200" y="1913172"/>
+            <a:ext cx="10515600" cy="4725421"/>
           </a:xfrm>
         </p:spPr>
         <p:txBody>
-          <a:bodyPr/>
+          <a:bodyPr>
+            <a:normAutofit/>
+          </a:bodyPr>
           <a:lstStyle>
             <a:lvl1pPr>
-              <a:defRPr>
+              <a:defRPr sz="2400">
                 <a:latin typeface="Helvetica" pitchFamily="2" charset="0"/>
               </a:defRPr>
             </a:lvl1pPr>
             <a:lvl2pPr>
-              <a:defRPr>
+              <a:defRPr sz="2400">
                 <a:latin typeface="Helvetica" pitchFamily="2" charset="0"/>
               </a:defRPr>
             </a:lvl2pPr>
             <a:lvl3pPr>
-              <a:defRPr>
+              <a:defRPr sz="2400">
                 <a:latin typeface="Helvetica" pitchFamily="2" charset="0"/>
               </a:defRPr>
             </a:lvl3pPr>
             <a:lvl4pPr>
-              <a:defRPr>
+              <a:defRPr sz="2400">
                 <a:latin typeface="Helvetica" pitchFamily="2" charset="0"/>
               </a:defRPr>
             </a:lvl4pPr>
             <a:lvl5pPr>
-              <a:defRPr>
+              <a:defRPr sz="2400">
                 <a:latin typeface="Helvetica" pitchFamily="2" charset="0"/>
               </a:defRPr>
             </a:lvl5pPr>
@@ -1258,35 +1313,6 @@
       </p:sp>
       <p:sp>
         <p:nvSpPr>
-          <p:cNvPr id="4" name="日期版面配置區 3">
-            <a:extLst>
-              <a:ext uri="{FF2B5EF4-FFF2-40B4-BE49-F238E27FC236}">
-                <a16:creationId xmlns:a16="http://schemas.microsoft.com/office/drawing/2014/main" id="{AAEF3A30-8B65-869C-5AF2-A5244AE520D7}"/>
-              </a:ext>
-            </a:extLst>
-          </p:cNvPr>
-          <p:cNvSpPr>
-            <a:spLocks noGrp="1"/>
-          </p:cNvSpPr>
-          <p:nvPr>
-            <p:ph type="dt" sz="half" idx="10"/>
-          </p:nvPr>
-        </p:nvSpPr>
-        <p:spPr/>
-        <p:txBody>
-          <a:bodyPr/>
-          <a:lstStyle/>
-          <a:p>
-            <a:fld id="{E954B807-27C8-AB44-9BF2-5A4736229AAB}" type="datetime1">
-              <a:rPr kumimoji="1" lang="zh-TW" altLang="en-US" smtClean="0"/>
-              <a:t>2022/10/27</a:t>
-            </a:fld>
-            <a:endParaRPr kumimoji="1" lang="zh-TW" altLang="en-US"/>
-          </a:p>
-        </p:txBody>
-      </p:sp>
-      <p:sp>
-        <p:nvSpPr>
           <p:cNvPr id="5" name="頁尾版面配置區 4">
             <a:extLst>
               <a:ext uri="{FF2B5EF4-FFF2-40B4-BE49-F238E27FC236}">
@@ -1301,16 +1327,32 @@
             <p:ph type="ftr" sz="quarter" idx="11"/>
           </p:nvPr>
         </p:nvSpPr>
-        <p:spPr/>
-        <p:txBody>
-          <a:bodyPr/>
-          <a:lstStyle/>
+        <p:spPr>
+          <a:xfrm>
+            <a:off x="9631016" y="1"/>
+            <a:ext cx="1722783" cy="269848"/>
+          </a:xfrm>
+          <a:solidFill>
+            <a:srgbClr val="D50C2C"/>
+          </a:solidFill>
+        </p:spPr>
+        <p:txBody>
+          <a:bodyPr anchor="b"/>
+          <a:lstStyle>
+            <a:lvl1pPr algn="r">
+              <a:defRPr sz="1000">
+                <a:solidFill>
+                  <a:schemeClr val="bg1"/>
+                </a:solidFill>
+              </a:defRPr>
+            </a:lvl1pPr>
+          </a:lstStyle>
           <a:p>
             <a:r>
               <a:rPr kumimoji="1" lang="en" altLang="zh-TW"/>
               <a:t>Lizard Production</a:t>
             </a:r>
-            <a:endParaRPr kumimoji="1" lang="zh-TW" altLang="en-US"/>
+            <a:endParaRPr kumimoji="1" lang="zh-TW" altLang="en-US" dirty="0"/>
           </a:p>
         </p:txBody>
       </p:sp>
@@ -1330,15 +1372,133 @@
             <p:ph type="sldNum" sz="quarter" idx="12"/>
           </p:nvPr>
         </p:nvSpPr>
-        <p:spPr/>
-        <p:txBody>
-          <a:bodyPr/>
-          <a:lstStyle/>
+        <p:spPr>
+          <a:xfrm>
+            <a:off x="9631015" y="269848"/>
+            <a:ext cx="1722783" cy="219407"/>
+          </a:xfrm>
+        </p:spPr>
+        <p:txBody>
+          <a:bodyPr anchor="t"/>
+          <a:lstStyle>
+            <a:lvl1pPr>
+              <a:defRPr sz="900">
+                <a:solidFill>
+                  <a:schemeClr val="tx1"/>
+                </a:solidFill>
+              </a:defRPr>
+            </a:lvl1pPr>
+          </a:lstStyle>
           <a:p>
             <a:fld id="{36C4C0BD-81AA-5C43-BE60-98480816AF12}" type="slidenum">
               <a:rPr kumimoji="1" lang="zh-TW" altLang="en-US" smtClean="0"/>
+              <a:pPr/>
               <a:t>‹#›</a:t>
             </a:fld>
+            <a:endParaRPr kumimoji="1" lang="zh-TW" altLang="en-US" dirty="0"/>
+          </a:p>
+        </p:txBody>
+      </p:sp>
+      <p:sp>
+        <p:nvSpPr>
+          <p:cNvPr id="8" name="矩形 7">
+            <a:extLst>
+              <a:ext uri="{FF2B5EF4-FFF2-40B4-BE49-F238E27FC236}">
+                <a16:creationId xmlns:a16="http://schemas.microsoft.com/office/drawing/2014/main" id="{7659316A-E3F3-D11A-402D-C9001E3B6CE6}"/>
+              </a:ext>
+            </a:extLst>
+          </p:cNvPr>
+          <p:cNvSpPr/>
+          <p:nvPr userDrawn="1"/>
+        </p:nvSpPr>
+        <p:spPr>
+          <a:xfrm>
+            <a:off x="0" y="1693766"/>
+            <a:ext cx="168965" cy="5164234"/>
+          </a:xfrm>
+          <a:prstGeom prst="rect">
+            <a:avLst/>
+          </a:prstGeom>
+          <a:solidFill>
+            <a:srgbClr val="981B1E"/>
+          </a:solidFill>
+          <a:ln>
+            <a:noFill/>
+          </a:ln>
+        </p:spPr>
+        <p:style>
+          <a:lnRef idx="2">
+            <a:schemeClr val="accent1">
+              <a:shade val="50000"/>
+            </a:schemeClr>
+          </a:lnRef>
+          <a:fillRef idx="1">
+            <a:schemeClr val="accent1"/>
+          </a:fillRef>
+          <a:effectRef idx="0">
+            <a:schemeClr val="accent1"/>
+          </a:effectRef>
+          <a:fontRef idx="minor">
+            <a:schemeClr val="lt1"/>
+          </a:fontRef>
+        </p:style>
+        <p:txBody>
+          <a:bodyPr rtlCol="0" anchor="ctr"/>
+          <a:lstStyle/>
+          <a:p>
+            <a:pPr algn="ctr"/>
+            <a:endParaRPr kumimoji="1" lang="zh-TW" altLang="en-US"/>
+          </a:p>
+        </p:txBody>
+      </p:sp>
+      <p:sp>
+        <p:nvSpPr>
+          <p:cNvPr id="9" name="矩形 8">
+            <a:extLst>
+              <a:ext uri="{FF2B5EF4-FFF2-40B4-BE49-F238E27FC236}">
+                <a16:creationId xmlns:a16="http://schemas.microsoft.com/office/drawing/2014/main" id="{9ECCB993-9C45-0DA2-282B-4C49E2231C91}"/>
+              </a:ext>
+            </a:extLst>
+          </p:cNvPr>
+          <p:cNvSpPr/>
+          <p:nvPr userDrawn="1"/>
+        </p:nvSpPr>
+        <p:spPr>
+          <a:xfrm>
+            <a:off x="0" y="0"/>
+            <a:ext cx="172278" cy="1693766"/>
+          </a:xfrm>
+          <a:prstGeom prst="rect">
+            <a:avLst/>
+          </a:prstGeom>
+          <a:solidFill>
+            <a:srgbClr val="D50C2C"/>
+          </a:solidFill>
+          <a:ln>
+            <a:noFill/>
+          </a:ln>
+        </p:spPr>
+        <p:style>
+          <a:lnRef idx="2">
+            <a:schemeClr val="accent1">
+              <a:shade val="50000"/>
+            </a:schemeClr>
+          </a:lnRef>
+          <a:fillRef idx="1">
+            <a:schemeClr val="accent1"/>
+          </a:fillRef>
+          <a:effectRef idx="0">
+            <a:schemeClr val="accent1"/>
+          </a:effectRef>
+          <a:fontRef idx="minor">
+            <a:schemeClr val="lt1"/>
+          </a:fontRef>
+        </p:style>
+        <p:txBody>
+          <a:bodyPr rtlCol="0" anchor="ctr"/>
+          <a:lstStyle/>
+          <a:p>
+            <a:pPr algn="ctr"/>
             <a:endParaRPr kumimoji="1" lang="zh-TW" altLang="en-US"/>
           </a:p>
         </p:txBody>
@@ -1391,14 +1551,17 @@
         </p:nvSpPr>
         <p:spPr>
           <a:xfrm>
-            <a:off x="831850" y="1709738"/>
-            <a:ext cx="10515600" cy="2852737"/>
+            <a:off x="831850" y="2445026"/>
+            <a:ext cx="10515600" cy="2117449"/>
           </a:xfrm>
+          <a:solidFill>
+            <a:srgbClr val="F3F3EA"/>
+          </a:solidFill>
         </p:spPr>
         <p:txBody>
-          <a:bodyPr anchor="b"/>
+          <a:bodyPr anchor="ctr"/>
           <a:lstStyle>
-            <a:lvl1pPr>
+            <a:lvl1pPr algn="l">
               <a:defRPr sz="6000"/>
             </a:lvl1pPr>
           </a:lstStyle>
@@ -1537,64 +1700,6 @@
       </p:sp>
       <p:sp>
         <p:nvSpPr>
-          <p:cNvPr id="4" name="日期版面配置區 3">
-            <a:extLst>
-              <a:ext uri="{FF2B5EF4-FFF2-40B4-BE49-F238E27FC236}">
-                <a16:creationId xmlns:a16="http://schemas.microsoft.com/office/drawing/2014/main" id="{85B2B7E1-EF28-2294-2773-32ED58CBB3E3}"/>
-              </a:ext>
-            </a:extLst>
-          </p:cNvPr>
-          <p:cNvSpPr>
-            <a:spLocks noGrp="1"/>
-          </p:cNvSpPr>
-          <p:nvPr>
-            <p:ph type="dt" sz="half" idx="10"/>
-          </p:nvPr>
-        </p:nvSpPr>
-        <p:spPr/>
-        <p:txBody>
-          <a:bodyPr/>
-          <a:lstStyle/>
-          <a:p>
-            <a:fld id="{1449B803-50CD-EC4E-8B7A-3BB09A603FF1}" type="datetime1">
-              <a:rPr kumimoji="1" lang="zh-TW" altLang="en-US" smtClean="0"/>
-              <a:t>2022/10/27</a:t>
-            </a:fld>
-            <a:endParaRPr kumimoji="1" lang="zh-TW" altLang="en-US"/>
-          </a:p>
-        </p:txBody>
-      </p:sp>
-      <p:sp>
-        <p:nvSpPr>
-          <p:cNvPr id="5" name="頁尾版面配置區 4">
-            <a:extLst>
-              <a:ext uri="{FF2B5EF4-FFF2-40B4-BE49-F238E27FC236}">
-                <a16:creationId xmlns:a16="http://schemas.microsoft.com/office/drawing/2014/main" id="{19E3CF90-73C6-FD0B-CDE9-2F995A92B764}"/>
-              </a:ext>
-            </a:extLst>
-          </p:cNvPr>
-          <p:cNvSpPr>
-            <a:spLocks noGrp="1"/>
-          </p:cNvSpPr>
-          <p:nvPr>
-            <p:ph type="ftr" sz="quarter" idx="11"/>
-          </p:nvPr>
-        </p:nvSpPr>
-        <p:spPr/>
-        <p:txBody>
-          <a:bodyPr/>
-          <a:lstStyle/>
-          <a:p>
-            <a:r>
-              <a:rPr kumimoji="1" lang="en" altLang="zh-TW"/>
-              <a:t>Lizard Production</a:t>
-            </a:r>
-            <a:endParaRPr kumimoji="1" lang="zh-TW" altLang="en-US"/>
-          </a:p>
-        </p:txBody>
-      </p:sp>
-      <p:sp>
-        <p:nvSpPr>
           <p:cNvPr id="6" name="投影片編號版面配置區 5">
             <a:extLst>
               <a:ext uri="{FF2B5EF4-FFF2-40B4-BE49-F238E27FC236}">
@@ -1619,6 +1724,104 @@
               <a:t>‹#›</a:t>
             </a:fld>
             <a:endParaRPr kumimoji="1" lang="zh-TW" altLang="en-US"/>
+          </a:p>
+        </p:txBody>
+      </p:sp>
+      <p:sp>
+        <p:nvSpPr>
+          <p:cNvPr id="7" name="矩形 6">
+            <a:extLst>
+              <a:ext uri="{FF2B5EF4-FFF2-40B4-BE49-F238E27FC236}">
+                <a16:creationId xmlns:a16="http://schemas.microsoft.com/office/drawing/2014/main" id="{0E569EA3-B6D6-8261-D8E8-82E801B98F00}"/>
+              </a:ext>
+            </a:extLst>
+          </p:cNvPr>
+          <p:cNvSpPr/>
+          <p:nvPr userDrawn="1"/>
+        </p:nvSpPr>
+        <p:spPr>
+          <a:xfrm>
+            <a:off x="0" y="0"/>
+            <a:ext cx="159026" cy="6858000"/>
+          </a:xfrm>
+          <a:prstGeom prst="rect">
+            <a:avLst/>
+          </a:prstGeom>
+          <a:solidFill>
+            <a:srgbClr val="D50C2C"/>
+          </a:solidFill>
+          <a:ln>
+            <a:noFill/>
+          </a:ln>
+        </p:spPr>
+        <p:style>
+          <a:lnRef idx="2">
+            <a:schemeClr val="accent1">
+              <a:shade val="50000"/>
+            </a:schemeClr>
+          </a:lnRef>
+          <a:fillRef idx="1">
+            <a:schemeClr val="accent1"/>
+          </a:fillRef>
+          <a:effectRef idx="0">
+            <a:schemeClr val="accent1"/>
+          </a:effectRef>
+          <a:fontRef idx="minor">
+            <a:schemeClr val="lt1"/>
+          </a:fontRef>
+        </p:style>
+        <p:txBody>
+          <a:bodyPr rtlCol="0" anchor="ctr"/>
+          <a:lstStyle/>
+          <a:p>
+            <a:pPr algn="ctr"/>
+            <a:endParaRPr kumimoji="1" lang="zh-TW" altLang="en-US"/>
+          </a:p>
+        </p:txBody>
+      </p:sp>
+      <p:sp>
+        <p:nvSpPr>
+          <p:cNvPr id="5" name="頁尾版面配置區 4">
+            <a:extLst>
+              <a:ext uri="{FF2B5EF4-FFF2-40B4-BE49-F238E27FC236}">
+                <a16:creationId xmlns:a16="http://schemas.microsoft.com/office/drawing/2014/main" id="{638E73FB-6C42-2060-6B36-B9ADBB9F96A2}"/>
+              </a:ext>
+            </a:extLst>
+          </p:cNvPr>
+          <p:cNvSpPr>
+            <a:spLocks noGrp="1"/>
+          </p:cNvSpPr>
+          <p:nvPr>
+            <p:ph type="ftr" sz="quarter" idx="11"/>
+          </p:nvPr>
+        </p:nvSpPr>
+        <p:spPr>
+          <a:xfrm>
+            <a:off x="8779841" y="0"/>
+            <a:ext cx="2567609" cy="442016"/>
+          </a:xfrm>
+          <a:solidFill>
+            <a:srgbClr val="D50C2C"/>
+          </a:solidFill>
+        </p:spPr>
+        <p:txBody>
+          <a:bodyPr anchor="b"/>
+          <a:lstStyle>
+            <a:lvl1pPr algn="r">
+              <a:defRPr sz="1600">
+                <a:solidFill>
+                  <a:schemeClr val="bg1"/>
+                </a:solidFill>
+                <a:latin typeface="Helvetica" pitchFamily="2" charset="0"/>
+              </a:defRPr>
+            </a:lvl1pPr>
+          </a:lstStyle>
+          <a:p>
+            <a:r>
+              <a:rPr kumimoji="1" lang="en-US" altLang="zh-TW"/>
+              <a:t>Lizard Production</a:t>
+            </a:r>
+            <a:endParaRPr kumimoji="1" lang="zh-TW" altLang="en-US" dirty="0"/>
           </a:p>
         </p:txBody>
       </p:sp>
@@ -1825,9 +2028,9 @@
           <a:bodyPr/>
           <a:lstStyle/>
           <a:p>
-            <a:fld id="{2CB1C000-6B76-064B-9166-F9595A478BDC}" type="datetime1">
+            <a:fld id="{72413C6A-4134-E34B-A24B-990BBB4D7FD9}" type="datetime1">
               <a:rPr kumimoji="1" lang="zh-TW" altLang="en-US" smtClean="0"/>
-              <a:t>2022/10/27</a:t>
+              <a:t>2022/11/13</a:t>
             </a:fld>
             <a:endParaRPr kumimoji="1" lang="zh-TW" altLang="en-US"/>
           </a:p>
@@ -2241,9 +2444,9 @@
           <a:bodyPr/>
           <a:lstStyle/>
           <a:p>
-            <a:fld id="{CF14831B-9815-8742-AC5B-5AA59FDF18AE}" type="datetime1">
+            <a:fld id="{19511842-327F-4342-B5F8-2830CA81BBFF}" type="datetime1">
               <a:rPr kumimoji="1" lang="zh-TW" altLang="en-US" smtClean="0"/>
-              <a:t>2022/10/27</a:t>
+              <a:t>2022/11/13</a:t>
             </a:fld>
             <a:endParaRPr kumimoji="1" lang="zh-TW" altLang="en-US"/>
           </a:p>
@@ -2386,9 +2589,9 @@
           <a:bodyPr/>
           <a:lstStyle/>
           <a:p>
-            <a:fld id="{3C7D7DA9-3C92-3F46-BF8A-1CFD1E81C423}" type="datetime1">
+            <a:fld id="{084D18F5-D917-0C4A-B400-509AFEF556A0}" type="datetime1">
               <a:rPr kumimoji="1" lang="zh-TW" altLang="en-US" smtClean="0"/>
-              <a:t>2022/10/27</a:t>
+              <a:t>2022/11/13</a:t>
             </a:fld>
             <a:endParaRPr kumimoji="1" lang="zh-TW" altLang="en-US"/>
           </a:p>
@@ -2503,9 +2706,9 @@
           <a:bodyPr/>
           <a:lstStyle/>
           <a:p>
-            <a:fld id="{3B6F1AAA-6464-8645-82BA-43CA7321DB86}" type="datetime1">
+            <a:fld id="{ACD1076D-271B-2B47-8702-29DA80C472F6}" type="datetime1">
               <a:rPr kumimoji="1" lang="zh-TW" altLang="en-US" smtClean="0"/>
-              <a:t>2022/10/27</a:t>
+              <a:t>2022/11/13</a:t>
             </a:fld>
             <a:endParaRPr kumimoji="1" lang="zh-TW" altLang="en-US"/>
           </a:p>
@@ -2617,8 +2820,8 @@
         </p:nvSpPr>
         <p:spPr>
           <a:xfrm>
-            <a:off x="671624" y="446690"/>
-            <a:ext cx="3198812" cy="656896"/>
+            <a:off x="671624" y="505744"/>
+            <a:ext cx="2449263" cy="833737"/>
           </a:xfrm>
         </p:spPr>
         <p:txBody>
@@ -2627,7 +2830,7 @@
           </a:bodyPr>
           <a:lstStyle>
             <a:lvl1pPr>
-              <a:defRPr sz="1800"/>
+              <a:defRPr sz="1600"/>
             </a:lvl1pPr>
           </a:lstStyle>
           <a:p>
@@ -2656,8 +2859,8 @@
         </p:nvSpPr>
         <p:spPr>
           <a:xfrm>
-            <a:off x="3870436" y="446689"/>
-            <a:ext cx="8027275" cy="6274785"/>
+            <a:off x="3478696" y="426239"/>
+            <a:ext cx="8249478" cy="5897771"/>
           </a:xfrm>
         </p:spPr>
         <p:txBody>
@@ -2746,18 +2949,21 @@
         </p:nvSpPr>
         <p:spPr>
           <a:xfrm>
-            <a:off x="671624" y="1345325"/>
-            <a:ext cx="3198812" cy="4769172"/>
+            <a:off x="671624" y="1501969"/>
+            <a:ext cx="2449263" cy="4738074"/>
           </a:xfrm>
+          <a:solidFill>
+            <a:srgbClr val="F3F3EA"/>
+          </a:solidFill>
         </p:spPr>
         <p:txBody>
           <a:bodyPr>
             <a:normAutofit/>
           </a:bodyPr>
           <a:lstStyle>
-            <a:lvl1pPr marL="457200" indent="-457200">
+            <a:lvl1pPr marL="0" indent="0">
               <a:buFont typeface="Arial" panose="020B0604020202020204" pitchFamily="34" charset="0"/>
-              <a:buChar char="•"/>
+              <a:buNone/>
               <a:defRPr sz="1400"/>
             </a:lvl1pPr>
             <a:lvl2pPr marL="457200" indent="0">
@@ -2818,13 +3024,23 @@
             <p:ph type="sldNum" sz="quarter" idx="12"/>
           </p:nvPr>
         </p:nvSpPr>
-        <p:spPr/>
+        <p:spPr>
+          <a:xfrm>
+            <a:off x="671624" y="6321287"/>
+            <a:ext cx="2449263" cy="400187"/>
+          </a:xfrm>
+        </p:spPr>
         <p:txBody>
           <a:bodyPr/>
-          <a:lstStyle/>
+          <a:lstStyle>
+            <a:lvl1pPr algn="l">
+              <a:defRPr/>
+            </a:lvl1pPr>
+          </a:lstStyle>
           <a:p>
             <a:fld id="{36C4C0BD-81AA-5C43-BE60-98480816AF12}" type="slidenum">
               <a:rPr kumimoji="1" lang="zh-TW" altLang="en-US" smtClean="0"/>
+              <a:pPr/>
               <a:t>‹#›</a:t>
             </a:fld>
             <a:endParaRPr kumimoji="1" lang="zh-TW" altLang="en-US"/>
@@ -2863,6 +3079,88 @@
           </a:p>
         </p:txBody>
       </p:sp>
+      <p:cxnSp>
+        <p:nvCxnSpPr>
+          <p:cNvPr id="6" name="直線接點 5">
+            <a:extLst>
+              <a:ext uri="{FF2B5EF4-FFF2-40B4-BE49-F238E27FC236}">
+                <a16:creationId xmlns:a16="http://schemas.microsoft.com/office/drawing/2014/main" id="{C590AD5E-010D-BDFD-77C2-0A681CDA2173}"/>
+              </a:ext>
+            </a:extLst>
+          </p:cNvPr>
+          <p:cNvCxnSpPr/>
+          <p:nvPr userDrawn="1"/>
+        </p:nvCxnSpPr>
+        <p:spPr>
+          <a:xfrm>
+            <a:off x="671624" y="446689"/>
+            <a:ext cx="2449263" cy="0"/>
+          </a:xfrm>
+          <a:prstGeom prst="line">
+            <a:avLst/>
+          </a:prstGeom>
+          <a:ln w="38100">
+            <a:solidFill>
+              <a:srgbClr val="C00000"/>
+            </a:solidFill>
+          </a:ln>
+        </p:spPr>
+        <p:style>
+          <a:lnRef idx="1">
+            <a:schemeClr val="accent1"/>
+          </a:lnRef>
+          <a:fillRef idx="0">
+            <a:schemeClr val="accent1"/>
+          </a:fillRef>
+          <a:effectRef idx="0">
+            <a:schemeClr val="accent1"/>
+          </a:effectRef>
+          <a:fontRef idx="minor">
+            <a:schemeClr val="tx1"/>
+          </a:fontRef>
+        </p:style>
+      </p:cxnSp>
+      <p:cxnSp>
+        <p:nvCxnSpPr>
+          <p:cNvPr id="9" name="直線接點 8">
+            <a:extLst>
+              <a:ext uri="{FF2B5EF4-FFF2-40B4-BE49-F238E27FC236}">
+                <a16:creationId xmlns:a16="http://schemas.microsoft.com/office/drawing/2014/main" id="{64041039-FBF3-1745-32AD-582B7556971F}"/>
+              </a:ext>
+            </a:extLst>
+          </p:cNvPr>
+          <p:cNvCxnSpPr/>
+          <p:nvPr userDrawn="1"/>
+        </p:nvCxnSpPr>
+        <p:spPr>
+          <a:xfrm>
+            <a:off x="671624" y="1420724"/>
+            <a:ext cx="2449263" cy="0"/>
+          </a:xfrm>
+          <a:prstGeom prst="line">
+            <a:avLst/>
+          </a:prstGeom>
+          <a:ln w="9525">
+            <a:solidFill>
+              <a:schemeClr val="tx1"/>
+            </a:solidFill>
+          </a:ln>
+        </p:spPr>
+        <p:style>
+          <a:lnRef idx="1">
+            <a:schemeClr val="accent1"/>
+          </a:lnRef>
+          <a:fillRef idx="0">
+            <a:schemeClr val="accent1"/>
+          </a:fillRef>
+          <a:effectRef idx="0">
+            <a:schemeClr val="accent1"/>
+          </a:effectRef>
+          <a:fontRef idx="minor">
+            <a:schemeClr val="tx1"/>
+          </a:fontRef>
+        </p:style>
+      </p:cxnSp>
     </p:spTree>
     <p:extLst>
       <p:ext uri="{BB962C8B-B14F-4D97-AF65-F5344CB8AC3E}">
@@ -3089,9 +3387,9 @@
           <a:bodyPr/>
           <a:lstStyle/>
           <a:p>
-            <a:fld id="{69FFD404-7A03-7447-91BB-A8EBC0FAA40B}" type="datetime1">
+            <a:fld id="{2BE1E36F-77FB-AD4C-A5F3-0C970BB999D3}" type="datetime1">
               <a:rPr kumimoji="1" lang="zh-TW" altLang="en-US" smtClean="0"/>
-              <a:t>2022/10/27</a:t>
+              <a:t>2022/11/13</a:t>
             </a:fld>
             <a:endParaRPr kumimoji="1" lang="zh-TW" altLang="en-US"/>
           </a:p>
@@ -3334,9 +3632,9 @@
             </a:lvl1pPr>
           </a:lstStyle>
           <a:p>
-            <a:fld id="{8C072DA4-4C80-2D40-B4B7-7E025C21C93F}" type="datetime1">
+            <a:fld id="{4BF2CAA1-4B20-0A49-9FE3-C97082823C17}" type="datetime1">
               <a:rPr kumimoji="1" lang="zh-TW" altLang="en-US" smtClean="0"/>
-              <a:t>2022/10/27</a:t>
+              <a:t>2022/11/13</a:t>
             </a:fld>
             <a:endParaRPr kumimoji="1" lang="zh-TW" altLang="en-US"/>
           </a:p>
@@ -3384,7 +3682,7 @@
           </a:lstStyle>
           <a:p>
             <a:r>
-              <a:rPr kumimoji="1" lang="en-US" altLang="zh-TW" dirty="0"/>
+              <a:rPr kumimoji="1" lang="en-US" altLang="zh-TW"/>
               <a:t>Lizard Production</a:t>
             </a:r>
             <a:endParaRPr kumimoji="1" lang="zh-TW" altLang="en-US" dirty="0"/>
@@ -3471,7 +3769,7 @@
         <a:buNone/>
         <a:defRPr sz="3600" b="1" kern="1200">
           <a:solidFill>
-            <a:srgbClr val="C00000"/>
+            <a:schemeClr val="tx1"/>
           </a:solidFill>
           <a:latin typeface="Helvetica" pitchFamily="2" charset="0"/>
           <a:ea typeface="Noto Sans CJK SC Regular" panose="020B0500000000000000" pitchFamily="34" charset="-128"/>
@@ -3843,6 +4141,144 @@
     <p:extLst>
       <p:ext uri="{BB962C8B-B14F-4D97-AF65-F5344CB8AC3E}">
         <p14:creationId xmlns:p14="http://schemas.microsoft.com/office/powerpoint/2010/main" val="164557280"/>
+      </p:ext>
+    </p:extLst>
+  </p:cSld>
+  <p:clrMapOvr>
+    <a:masterClrMapping/>
+  </p:clrMapOvr>
+</p:sld>
+</file>
+
+<file path=ppt/slides/slide2.xml><?xml version="1.0" encoding="utf-8"?>
+<p:sld xmlns:a="http://schemas.openxmlformats.org/drawingml/2006/main" xmlns:r="http://schemas.openxmlformats.org/officeDocument/2006/relationships" xmlns:p="http://schemas.openxmlformats.org/presentationml/2006/main">
+  <p:cSld>
+    <p:spTree>
+      <p:nvGrpSpPr>
+        <p:cNvPr id="1" name=""/>
+        <p:cNvGrpSpPr/>
+        <p:nvPr/>
+      </p:nvGrpSpPr>
+      <p:grpSpPr>
+        <a:xfrm>
+          <a:off x="0" y="0"/>
+          <a:ext cx="0" cy="0"/>
+          <a:chOff x="0" y="0"/>
+          <a:chExt cx="0" cy="0"/>
+        </a:xfrm>
+      </p:grpSpPr>
+      <p:sp>
+        <p:nvSpPr>
+          <p:cNvPr id="2" name="標題 1">
+            <a:extLst>
+              <a:ext uri="{FF2B5EF4-FFF2-40B4-BE49-F238E27FC236}">
+                <a16:creationId xmlns:a16="http://schemas.microsoft.com/office/drawing/2014/main" id="{AA282C8E-7D6A-AB40-D539-4C0E6ABCD104}"/>
+              </a:ext>
+            </a:extLst>
+          </p:cNvPr>
+          <p:cNvSpPr>
+            <a:spLocks noGrp="1"/>
+          </p:cNvSpPr>
+          <p:nvPr>
+            <p:ph type="title"/>
+          </p:nvPr>
+        </p:nvSpPr>
+        <p:spPr/>
+        <p:txBody>
+          <a:bodyPr/>
+          <a:lstStyle/>
+          <a:p>
+            <a:endParaRPr kumimoji="1" lang="zh-TW" altLang="en-US"/>
+          </a:p>
+        </p:txBody>
+      </p:sp>
+      <p:sp>
+        <p:nvSpPr>
+          <p:cNvPr id="3" name="內容版面配置區 2">
+            <a:extLst>
+              <a:ext uri="{FF2B5EF4-FFF2-40B4-BE49-F238E27FC236}">
+                <a16:creationId xmlns:a16="http://schemas.microsoft.com/office/drawing/2014/main" id="{98C09240-459B-4255-D2A3-9A2E83484E42}"/>
+              </a:ext>
+            </a:extLst>
+          </p:cNvPr>
+          <p:cNvSpPr>
+            <a:spLocks noGrp="1"/>
+          </p:cNvSpPr>
+          <p:nvPr>
+            <p:ph idx="1"/>
+          </p:nvPr>
+        </p:nvSpPr>
+        <p:spPr/>
+        <p:txBody>
+          <a:bodyPr/>
+          <a:lstStyle/>
+          <a:p>
+            <a:endParaRPr kumimoji="1" lang="zh-TW" altLang="en-US"/>
+          </a:p>
+        </p:txBody>
+      </p:sp>
+      <p:sp>
+        <p:nvSpPr>
+          <p:cNvPr id="4" name="頁尾版面配置區 3">
+            <a:extLst>
+              <a:ext uri="{FF2B5EF4-FFF2-40B4-BE49-F238E27FC236}">
+                <a16:creationId xmlns:a16="http://schemas.microsoft.com/office/drawing/2014/main" id="{71B90F1E-C87D-DD87-3DBD-B0A4C6EDC39D}"/>
+              </a:ext>
+            </a:extLst>
+          </p:cNvPr>
+          <p:cNvSpPr>
+            <a:spLocks noGrp="1"/>
+          </p:cNvSpPr>
+          <p:nvPr>
+            <p:ph type="ftr" sz="quarter" idx="11"/>
+          </p:nvPr>
+        </p:nvSpPr>
+        <p:spPr/>
+        <p:txBody>
+          <a:bodyPr/>
+          <a:lstStyle/>
+          <a:p>
+            <a:r>
+              <a:rPr kumimoji="1" lang="en" altLang="zh-TW"/>
+              <a:t>Lizard Production</a:t>
+            </a:r>
+            <a:endParaRPr kumimoji="1" lang="zh-TW" altLang="en-US"/>
+          </a:p>
+        </p:txBody>
+      </p:sp>
+      <p:sp>
+        <p:nvSpPr>
+          <p:cNvPr id="5" name="投影片編號版面配置區 4">
+            <a:extLst>
+              <a:ext uri="{FF2B5EF4-FFF2-40B4-BE49-F238E27FC236}">
+                <a16:creationId xmlns:a16="http://schemas.microsoft.com/office/drawing/2014/main" id="{4F531FED-923F-06AE-9887-42DD57B3E47A}"/>
+              </a:ext>
+            </a:extLst>
+          </p:cNvPr>
+          <p:cNvSpPr>
+            <a:spLocks noGrp="1"/>
+          </p:cNvSpPr>
+          <p:nvPr>
+            <p:ph type="sldNum" sz="quarter" idx="12"/>
+          </p:nvPr>
+        </p:nvSpPr>
+        <p:spPr/>
+        <p:txBody>
+          <a:bodyPr/>
+          <a:lstStyle/>
+          <a:p>
+            <a:fld id="{36C4C0BD-81AA-5C43-BE60-98480816AF12}" type="slidenum">
+              <a:rPr kumimoji="1" lang="zh-TW" altLang="en-US" smtClean="0"/>
+              <a:t>2</a:t>
+            </a:fld>
+            <a:endParaRPr kumimoji="1" lang="zh-TW" altLang="en-US"/>
+          </a:p>
+        </p:txBody>
+      </p:sp>
+    </p:spTree>
+    <p:extLst>
+      <p:ext uri="{BB962C8B-B14F-4D97-AF65-F5344CB8AC3E}">
+        <p14:creationId xmlns:p14="http://schemas.microsoft.com/office/powerpoint/2010/main" val="2318493261"/>
       </p:ext>
     </p:extLst>
   </p:cSld>
